--- a/networks-emulator/Topology.pptx
+++ b/networks-emulator/Topology.pptx
@@ -5,11 +5,12 @@
     <p:sldMasterId id="2147483648" r:id="rId1"/>
   </p:sldMasterIdLst>
   <p:notesMasterIdLst>
-    <p:notesMasterId r:id="rId4"/>
+    <p:notesMasterId r:id="rId5"/>
   </p:notesMasterIdLst>
   <p:sldIdLst>
     <p:sldId id="256" r:id="rId2"/>
-    <p:sldId id="257" r:id="rId3"/>
+    <p:sldId id="258" r:id="rId3"/>
+    <p:sldId id="257" r:id="rId4"/>
   </p:sldIdLst>
   <p:sldSz cx="12192000" cy="6858000"/>
   <p:notesSz cx="6858000" cy="9144000"/>
@@ -198,7 +199,7 @@
           <a:p>
             <a:fld id="{7F10C1FA-909E-4B4B-BAE3-0DB8294D87BB}" type="datetimeFigureOut">
               <a:rPr lang="zh-TW" altLang="en-US" smtClean="0"/>
-              <a:t>2023/7/17</a:t>
+              <a:t>2023/9/25</a:t>
             </a:fld>
             <a:endParaRPr lang="zh-TW" altLang="en-US"/>
           </a:p>
@@ -623,6 +624,90 @@
     </p:spTree>
     <p:extLst>
       <p:ext uri="{BB962C8B-B14F-4D97-AF65-F5344CB8AC3E}">
+        <p14:creationId xmlns:p14="http://schemas.microsoft.com/office/powerpoint/2010/main" val="2121660230"/>
+      </p:ext>
+    </p:extLst>
+  </p:cSld>
+  <p:clrMapOvr>
+    <a:masterClrMapping/>
+  </p:clrMapOvr>
+</p:notes>
+</file>
+
+<file path=ppt/notesSlides/notesSlide3.xml><?xml version="1.0" encoding="utf-8"?>
+<p:notes xmlns:a="http://schemas.openxmlformats.org/drawingml/2006/main" xmlns:r="http://schemas.openxmlformats.org/officeDocument/2006/relationships" xmlns:p="http://schemas.openxmlformats.org/presentationml/2006/main">
+  <p:cSld>
+    <p:spTree>
+      <p:nvGrpSpPr>
+        <p:cNvPr id="1" name=""/>
+        <p:cNvGrpSpPr/>
+        <p:nvPr/>
+      </p:nvGrpSpPr>
+      <p:grpSpPr>
+        <a:xfrm>
+          <a:off x="0" y="0"/>
+          <a:ext cx="0" cy="0"/>
+          <a:chOff x="0" y="0"/>
+          <a:chExt cx="0" cy="0"/>
+        </a:xfrm>
+      </p:grpSpPr>
+      <p:sp>
+        <p:nvSpPr>
+          <p:cNvPr id="2" name="投影片圖像版面配置區 1"/>
+          <p:cNvSpPr>
+            <a:spLocks noGrp="1" noRot="1" noChangeAspect="1"/>
+          </p:cNvSpPr>
+          <p:nvPr>
+            <p:ph type="sldImg"/>
+          </p:nvPr>
+        </p:nvSpPr>
+        <p:spPr/>
+      </p:sp>
+      <p:sp>
+        <p:nvSpPr>
+          <p:cNvPr id="3" name="備忘稿版面配置區 2"/>
+          <p:cNvSpPr>
+            <a:spLocks noGrp="1"/>
+          </p:cNvSpPr>
+          <p:nvPr>
+            <p:ph type="body" idx="1"/>
+          </p:nvPr>
+        </p:nvSpPr>
+        <p:spPr/>
+        <p:txBody>
+          <a:bodyPr/>
+          <a:lstStyle/>
+          <a:p>
+            <a:endParaRPr lang="zh-TW" altLang="en-US" dirty="0"/>
+          </a:p>
+        </p:txBody>
+      </p:sp>
+      <p:sp>
+        <p:nvSpPr>
+          <p:cNvPr id="4" name="投影片編號版面配置區 3"/>
+          <p:cNvSpPr>
+            <a:spLocks noGrp="1"/>
+          </p:cNvSpPr>
+          <p:nvPr>
+            <p:ph type="sldNum" sz="quarter" idx="10"/>
+          </p:nvPr>
+        </p:nvSpPr>
+        <p:spPr/>
+        <p:txBody>
+          <a:bodyPr/>
+          <a:lstStyle/>
+          <a:p>
+            <a:fld id="{61E61C26-B0E0-4CCE-8BFC-ED3A9F93455A}" type="slidenum">
+              <a:rPr lang="zh-TW" altLang="en-US" smtClean="0"/>
+              <a:t>3</a:t>
+            </a:fld>
+            <a:endParaRPr lang="zh-TW" altLang="en-US"/>
+          </a:p>
+        </p:txBody>
+      </p:sp>
+    </p:spTree>
+    <p:extLst>
+      <p:ext uri="{BB962C8B-B14F-4D97-AF65-F5344CB8AC3E}">
         <p14:creationId xmlns:p14="http://schemas.microsoft.com/office/powerpoint/2010/main" val="2684388590"/>
       </p:ext>
     </p:extLst>
@@ -762,7 +847,7 @@
           <a:p>
             <a:fld id="{0723D317-0DE8-4156-8071-0A5A734D0941}" type="datetimeFigureOut">
               <a:rPr lang="zh-TW" altLang="en-US" smtClean="0"/>
-              <a:t>2023/7/17</a:t>
+              <a:t>2023/9/25</a:t>
             </a:fld>
             <a:endParaRPr lang="zh-TW" altLang="en-US"/>
           </a:p>
@@ -930,7 +1015,7 @@
           <a:p>
             <a:fld id="{0723D317-0DE8-4156-8071-0A5A734D0941}" type="datetimeFigureOut">
               <a:rPr lang="zh-TW" altLang="en-US" smtClean="0"/>
-              <a:t>2023/7/17</a:t>
+              <a:t>2023/9/25</a:t>
             </a:fld>
             <a:endParaRPr lang="zh-TW" altLang="en-US"/>
           </a:p>
@@ -1108,7 +1193,7 @@
           <a:p>
             <a:fld id="{0723D317-0DE8-4156-8071-0A5A734D0941}" type="datetimeFigureOut">
               <a:rPr lang="zh-TW" altLang="en-US" smtClean="0"/>
-              <a:t>2023/7/17</a:t>
+              <a:t>2023/9/25</a:t>
             </a:fld>
             <a:endParaRPr lang="zh-TW" altLang="en-US"/>
           </a:p>
@@ -1276,7 +1361,7 @@
           <a:p>
             <a:fld id="{0723D317-0DE8-4156-8071-0A5A734D0941}" type="datetimeFigureOut">
               <a:rPr lang="zh-TW" altLang="en-US" smtClean="0"/>
-              <a:t>2023/7/17</a:t>
+              <a:t>2023/9/25</a:t>
             </a:fld>
             <a:endParaRPr lang="zh-TW" altLang="en-US"/>
           </a:p>
@@ -1521,7 +1606,7 @@
           <a:p>
             <a:fld id="{0723D317-0DE8-4156-8071-0A5A734D0941}" type="datetimeFigureOut">
               <a:rPr lang="zh-TW" altLang="en-US" smtClean="0"/>
-              <a:t>2023/7/17</a:t>
+              <a:t>2023/9/25</a:t>
             </a:fld>
             <a:endParaRPr lang="zh-TW" altLang="en-US"/>
           </a:p>
@@ -1750,7 +1835,7 @@
           <a:p>
             <a:fld id="{0723D317-0DE8-4156-8071-0A5A734D0941}" type="datetimeFigureOut">
               <a:rPr lang="zh-TW" altLang="en-US" smtClean="0"/>
-              <a:t>2023/7/17</a:t>
+              <a:t>2023/9/25</a:t>
             </a:fld>
             <a:endParaRPr lang="zh-TW" altLang="en-US"/>
           </a:p>
@@ -2114,7 +2199,7 @@
           <a:p>
             <a:fld id="{0723D317-0DE8-4156-8071-0A5A734D0941}" type="datetimeFigureOut">
               <a:rPr lang="zh-TW" altLang="en-US" smtClean="0"/>
-              <a:t>2023/7/17</a:t>
+              <a:t>2023/9/25</a:t>
             </a:fld>
             <a:endParaRPr lang="zh-TW" altLang="en-US"/>
           </a:p>
@@ -2231,7 +2316,7 @@
           <a:p>
             <a:fld id="{0723D317-0DE8-4156-8071-0A5A734D0941}" type="datetimeFigureOut">
               <a:rPr lang="zh-TW" altLang="en-US" smtClean="0"/>
-              <a:t>2023/7/17</a:t>
+              <a:t>2023/9/25</a:t>
             </a:fld>
             <a:endParaRPr lang="zh-TW" altLang="en-US"/>
           </a:p>
@@ -2326,7 +2411,7 @@
           <a:p>
             <a:fld id="{0723D317-0DE8-4156-8071-0A5A734D0941}" type="datetimeFigureOut">
               <a:rPr lang="zh-TW" altLang="en-US" smtClean="0"/>
-              <a:t>2023/7/17</a:t>
+              <a:t>2023/9/25</a:t>
             </a:fld>
             <a:endParaRPr lang="zh-TW" altLang="en-US"/>
           </a:p>
@@ -2601,7 +2686,7 @@
           <a:p>
             <a:fld id="{0723D317-0DE8-4156-8071-0A5A734D0941}" type="datetimeFigureOut">
               <a:rPr lang="zh-TW" altLang="en-US" smtClean="0"/>
-              <a:t>2023/7/17</a:t>
+              <a:t>2023/9/25</a:t>
             </a:fld>
             <a:endParaRPr lang="zh-TW" altLang="en-US"/>
           </a:p>
@@ -2853,7 +2938,7 @@
           <a:p>
             <a:fld id="{0723D317-0DE8-4156-8071-0A5A734D0941}" type="datetimeFigureOut">
               <a:rPr lang="zh-TW" altLang="en-US" smtClean="0"/>
-              <a:t>2023/7/17</a:t>
+              <a:t>2023/9/25</a:t>
             </a:fld>
             <a:endParaRPr lang="zh-TW" altLang="en-US"/>
           </a:p>
@@ -3064,7 +3149,7 @@
           <a:p>
             <a:fld id="{0723D317-0DE8-4156-8071-0A5A734D0941}" type="datetimeFigureOut">
               <a:rPr lang="zh-TW" altLang="en-US" smtClean="0"/>
-              <a:t>2023/7/17</a:t>
+              <a:t>2023/9/25</a:t>
             </a:fld>
             <a:endParaRPr lang="zh-TW" altLang="en-US"/>
           </a:p>
@@ -3819,8 +3904,8 @@
         </p:nvSpPr>
         <p:spPr>
           <a:xfrm>
-            <a:off x="7880530" y="3892610"/>
-            <a:ext cx="1235210" cy="646331"/>
+            <a:off x="7797334" y="3892610"/>
+            <a:ext cx="1401602" cy="369332"/>
           </a:xfrm>
           <a:prstGeom prst="rect">
             <a:avLst/>
@@ -3840,34 +3925,7 @@
                   <a:schemeClr val="accent2"/>
                 </a:solidFill>
               </a:rPr>
-              <a:t>SSH</a:t>
-            </a:r>
-            <a:r>
-              <a:rPr lang="zh-TW" altLang="en-US" b="1" dirty="0">
-                <a:solidFill>
-                  <a:schemeClr val="accent2"/>
-                </a:solidFill>
-              </a:rPr>
-              <a:t> </a:t>
-            </a:r>
-            <a:r>
-              <a:rPr lang="en-US" altLang="zh-TW" b="1" dirty="0">
-                <a:solidFill>
-                  <a:schemeClr val="accent2"/>
-                </a:solidFill>
-              </a:rPr>
-              <a:t>port</a:t>
-            </a:r>
-          </a:p>
-          <a:p>
-            <a:pPr algn="ctr"/>
-            <a:r>
-              <a:rPr lang="en-US" altLang="zh-TW" b="1" dirty="0">
-                <a:solidFill>
-                  <a:schemeClr val="accent2"/>
-                </a:solidFill>
-              </a:rPr>
-              <a:t>forwarding</a:t>
+              <a:t>Layer4 Proxy</a:t>
             </a:r>
             <a:endParaRPr lang="zh-TW" altLang="en-US" b="1" dirty="0">
               <a:solidFill>
@@ -3891,8 +3949,8 @@
         </p:nvSpPr>
         <p:spPr>
           <a:xfrm>
-            <a:off x="3362983" y="5751655"/>
-            <a:ext cx="740908" cy="646331"/>
+            <a:off x="3032638" y="5751655"/>
+            <a:ext cx="1401602" cy="369332"/>
           </a:xfrm>
           <a:prstGeom prst="rect">
             <a:avLst/>
@@ -3912,18 +3970,7 @@
                   <a:srgbClr val="C00000"/>
                 </a:solidFill>
               </a:rPr>
-              <a:t>Sock5</a:t>
-            </a:r>
-          </a:p>
-          <a:p>
-            <a:pPr algn="ctr"/>
-            <a:r>
-              <a:rPr lang="en-US" altLang="zh-TW" b="1" dirty="0">
-                <a:solidFill>
-                  <a:srgbClr val="C00000"/>
-                </a:solidFill>
-              </a:rPr>
-              <a:t>Proxy</a:t>
+              <a:t>Layer4 Proxy</a:t>
             </a:r>
             <a:endParaRPr lang="zh-TW" altLang="en-US" b="1" dirty="0">
               <a:solidFill>
@@ -3960,6 +4007,8 @@
             <a:solidFill>
               <a:srgbClr val="00B0F0"/>
             </a:solidFill>
+            <a:headEnd type="arrow" w="med" len="med"/>
+            <a:tailEnd type="arrow" w="med" len="med"/>
           </a:ln>
         </p:spPr>
         <p:style>
@@ -4004,6 +4053,8 @@
             <a:solidFill>
               <a:srgbClr val="00B0F0"/>
             </a:solidFill>
+            <a:headEnd type="arrow" w="med" len="med"/>
+            <a:tailEnd type="arrow" w="med" len="med"/>
           </a:ln>
         </p:spPr>
         <p:style>
@@ -4049,6 +4100,8 @@
             <a:solidFill>
               <a:srgbClr val="00B0F0"/>
             </a:solidFill>
+            <a:headEnd type="arrow" w="med" len="med"/>
+            <a:tailEnd type="arrow" w="med" len="med"/>
           </a:ln>
         </p:spPr>
         <p:style>
@@ -4093,6 +4146,8 @@
             <a:solidFill>
               <a:srgbClr val="00B0F0"/>
             </a:solidFill>
+            <a:headEnd type="arrow" w="med" len="med"/>
+            <a:tailEnd type="arrow" w="med" len="med"/>
           </a:ln>
         </p:spPr>
         <p:style>
@@ -4137,6 +4192,8 @@
             <a:solidFill>
               <a:srgbClr val="00B0F0"/>
             </a:solidFill>
+            <a:headEnd type="arrow" w="med" len="med"/>
+            <a:tailEnd type="arrow" w="med" len="med"/>
           </a:ln>
         </p:spPr>
         <p:style>
@@ -4181,6 +4238,8 @@
             <a:solidFill>
               <a:srgbClr val="00B0F0"/>
             </a:solidFill>
+            <a:headEnd type="arrow" w="med" len="med"/>
+            <a:tailEnd type="arrow" w="med" len="med"/>
           </a:ln>
         </p:spPr>
         <p:style>
@@ -4999,6 +5058,638 @@
               </a:solidFill>
               <a:effectLst/>
               <a:latin typeface="Consolas" panose="020B0609020204030204" pitchFamily="49" charset="0"/>
+            </a:endParaRPr>
+          </a:p>
+        </p:txBody>
+      </p:sp>
+      <p:cxnSp>
+        <p:nvCxnSpPr>
+          <p:cNvPr id="4" name="直線接點 3">
+            <a:extLst>
+              <a:ext uri="{FF2B5EF4-FFF2-40B4-BE49-F238E27FC236}">
+                <a16:creationId xmlns:a16="http://schemas.microsoft.com/office/drawing/2014/main" id="{7CD0141C-83F2-29B9-496D-DB8A6118DF57}"/>
+              </a:ext>
+            </a:extLst>
+          </p:cNvPr>
+          <p:cNvCxnSpPr/>
+          <p:nvPr/>
+        </p:nvCxnSpPr>
+        <p:spPr>
+          <a:xfrm>
+            <a:off x="8719752" y="3336006"/>
+            <a:ext cx="1882347" cy="0"/>
+          </a:xfrm>
+          <a:prstGeom prst="line">
+            <a:avLst/>
+          </a:prstGeom>
+          <a:ln w="38100">
+            <a:solidFill>
+              <a:srgbClr val="00B0F0"/>
+            </a:solidFill>
+            <a:headEnd type="arrow" w="med" len="med"/>
+            <a:tailEnd type="arrow" w="med" len="med"/>
+          </a:ln>
+        </p:spPr>
+        <p:style>
+          <a:lnRef idx="1">
+            <a:schemeClr val="accent1"/>
+          </a:lnRef>
+          <a:fillRef idx="0">
+            <a:schemeClr val="accent1"/>
+          </a:fillRef>
+          <a:effectRef idx="0">
+            <a:schemeClr val="accent1"/>
+          </a:effectRef>
+          <a:fontRef idx="minor">
+            <a:schemeClr val="tx1"/>
+          </a:fontRef>
+        </p:style>
+      </p:cxnSp>
+      <p:cxnSp>
+        <p:nvCxnSpPr>
+          <p:cNvPr id="12" name="直線接點 11">
+            <a:extLst>
+              <a:ext uri="{FF2B5EF4-FFF2-40B4-BE49-F238E27FC236}">
+                <a16:creationId xmlns:a16="http://schemas.microsoft.com/office/drawing/2014/main" id="{8500586A-ECDE-EF29-B648-D3C307C74DDB}"/>
+              </a:ext>
+            </a:extLst>
+          </p:cNvPr>
+          <p:cNvCxnSpPr>
+            <a:cxnSpLocks/>
+          </p:cNvCxnSpPr>
+          <p:nvPr/>
+        </p:nvCxnSpPr>
+        <p:spPr>
+          <a:xfrm flipV="1">
+            <a:off x="1549710" y="1639011"/>
+            <a:ext cx="1849272" cy="1399752"/>
+          </a:xfrm>
+          <a:prstGeom prst="line">
+            <a:avLst/>
+          </a:prstGeom>
+          <a:ln w="38100">
+            <a:solidFill>
+              <a:srgbClr val="00B0F0"/>
+            </a:solidFill>
+            <a:headEnd type="arrow" w="med" len="med"/>
+            <a:tailEnd type="arrow" w="med" len="med"/>
+          </a:ln>
+        </p:spPr>
+        <p:style>
+          <a:lnRef idx="1">
+            <a:schemeClr val="accent1"/>
+          </a:lnRef>
+          <a:fillRef idx="0">
+            <a:schemeClr val="accent1"/>
+          </a:fillRef>
+          <a:effectRef idx="0">
+            <a:schemeClr val="accent1"/>
+          </a:effectRef>
+          <a:fontRef idx="minor">
+            <a:schemeClr val="tx1"/>
+          </a:fontRef>
+        </p:style>
+      </p:cxnSp>
+      <p:sp>
+        <p:nvSpPr>
+          <p:cNvPr id="18" name="文字方塊 17">
+            <a:extLst>
+              <a:ext uri="{FF2B5EF4-FFF2-40B4-BE49-F238E27FC236}">
+                <a16:creationId xmlns:a16="http://schemas.microsoft.com/office/drawing/2014/main" id="{EC7CD2CC-7EA1-3764-B6CC-03EBD2B519FB}"/>
+              </a:ext>
+            </a:extLst>
+          </p:cNvPr>
+          <p:cNvSpPr txBox="1"/>
+          <p:nvPr/>
+        </p:nvSpPr>
+        <p:spPr>
+          <a:xfrm>
+            <a:off x="2675980" y="2148464"/>
+            <a:ext cx="970137" cy="338554"/>
+          </a:xfrm>
+          <a:prstGeom prst="rect">
+            <a:avLst/>
+          </a:prstGeom>
+          <a:noFill/>
+        </p:spPr>
+        <p:txBody>
+          <a:bodyPr wrap="none" rtlCol="0">
+            <a:spAutoFit/>
+          </a:bodyPr>
+          <a:lstStyle/>
+          <a:p>
+            <a:pPr algn="ctr"/>
+            <a:r>
+              <a:rPr lang="en-US" altLang="zh-TW" sz="1600" dirty="0">
+                <a:solidFill>
+                  <a:srgbClr val="C00000"/>
+                </a:solidFill>
+                <a:latin typeface="Consolas" panose="020B0609020204030204" pitchFamily="49" charset="0"/>
+              </a:rPr>
+              <a:t>Port 81</a:t>
+            </a:r>
+            <a:endParaRPr lang="zh-TW" altLang="en-US" sz="1600" b="0" dirty="0">
+              <a:solidFill>
+                <a:srgbClr val="C00000"/>
+              </a:solidFill>
+              <a:effectLst/>
+              <a:latin typeface="Consolas" panose="020B0609020204030204" pitchFamily="49" charset="0"/>
+            </a:endParaRPr>
+          </a:p>
+        </p:txBody>
+      </p:sp>
+      <p:sp>
+        <p:nvSpPr>
+          <p:cNvPr id="20" name="文字方塊 19">
+            <a:extLst>
+              <a:ext uri="{FF2B5EF4-FFF2-40B4-BE49-F238E27FC236}">
+                <a16:creationId xmlns:a16="http://schemas.microsoft.com/office/drawing/2014/main" id="{0C66920D-777C-6F1F-750B-F492AE19CF75}"/>
+              </a:ext>
+            </a:extLst>
+          </p:cNvPr>
+          <p:cNvSpPr txBox="1"/>
+          <p:nvPr/>
+        </p:nvSpPr>
+        <p:spPr>
+          <a:xfrm>
+            <a:off x="2532465" y="3565977"/>
+            <a:ext cx="970137" cy="338554"/>
+          </a:xfrm>
+          <a:prstGeom prst="rect">
+            <a:avLst/>
+          </a:prstGeom>
+          <a:noFill/>
+        </p:spPr>
+        <p:txBody>
+          <a:bodyPr wrap="none" rtlCol="0">
+            <a:spAutoFit/>
+          </a:bodyPr>
+          <a:lstStyle/>
+          <a:p>
+            <a:pPr algn="ctr"/>
+            <a:r>
+              <a:rPr lang="en-US" altLang="zh-TW" sz="1600" dirty="0">
+                <a:solidFill>
+                  <a:srgbClr val="C00000"/>
+                </a:solidFill>
+                <a:latin typeface="Consolas" panose="020B0609020204030204" pitchFamily="49" charset="0"/>
+              </a:rPr>
+              <a:t>Port 82</a:t>
+            </a:r>
+            <a:endParaRPr lang="zh-TW" altLang="en-US" sz="1600" b="0" dirty="0">
+              <a:solidFill>
+                <a:srgbClr val="C00000"/>
+              </a:solidFill>
+              <a:effectLst/>
+              <a:latin typeface="Consolas" panose="020B0609020204030204" pitchFamily="49" charset="0"/>
+            </a:endParaRPr>
+          </a:p>
+        </p:txBody>
+      </p:sp>
+      <p:sp>
+        <p:nvSpPr>
+          <p:cNvPr id="22" name="文字方塊 21">
+            <a:extLst>
+              <a:ext uri="{FF2B5EF4-FFF2-40B4-BE49-F238E27FC236}">
+                <a16:creationId xmlns:a16="http://schemas.microsoft.com/office/drawing/2014/main" id="{82048BF5-C286-9573-4EB9-2AC013F3D3F4}"/>
+              </a:ext>
+            </a:extLst>
+          </p:cNvPr>
+          <p:cNvSpPr txBox="1"/>
+          <p:nvPr/>
+        </p:nvSpPr>
+        <p:spPr>
+          <a:xfrm>
+            <a:off x="2358402" y="5243066"/>
+            <a:ext cx="970137" cy="338554"/>
+          </a:xfrm>
+          <a:prstGeom prst="rect">
+            <a:avLst/>
+          </a:prstGeom>
+          <a:noFill/>
+        </p:spPr>
+        <p:txBody>
+          <a:bodyPr wrap="none" rtlCol="0">
+            <a:spAutoFit/>
+          </a:bodyPr>
+          <a:lstStyle/>
+          <a:p>
+            <a:pPr algn="ctr"/>
+            <a:r>
+              <a:rPr lang="en-US" altLang="zh-TW" sz="1600" dirty="0">
+                <a:solidFill>
+                  <a:srgbClr val="C00000"/>
+                </a:solidFill>
+                <a:latin typeface="Consolas" panose="020B0609020204030204" pitchFamily="49" charset="0"/>
+              </a:rPr>
+              <a:t>Port 83</a:t>
+            </a:r>
+            <a:endParaRPr lang="zh-TW" altLang="en-US" sz="1600" b="0" dirty="0">
+              <a:solidFill>
+                <a:srgbClr val="C00000"/>
+              </a:solidFill>
+              <a:effectLst/>
+              <a:latin typeface="Consolas" panose="020B0609020204030204" pitchFamily="49" charset="0"/>
+            </a:endParaRPr>
+          </a:p>
+        </p:txBody>
+      </p:sp>
+      <p:cxnSp>
+        <p:nvCxnSpPr>
+          <p:cNvPr id="24" name="直線接點 23">
+            <a:extLst>
+              <a:ext uri="{FF2B5EF4-FFF2-40B4-BE49-F238E27FC236}">
+                <a16:creationId xmlns:a16="http://schemas.microsoft.com/office/drawing/2014/main" id="{4B53F858-3408-3094-8DE4-DCFADDD0131D}"/>
+              </a:ext>
+            </a:extLst>
+          </p:cNvPr>
+          <p:cNvCxnSpPr>
+            <a:cxnSpLocks/>
+          </p:cNvCxnSpPr>
+          <p:nvPr/>
+        </p:nvCxnSpPr>
+        <p:spPr>
+          <a:xfrm>
+            <a:off x="1551709" y="3336006"/>
+            <a:ext cx="1873325" cy="0"/>
+          </a:xfrm>
+          <a:prstGeom prst="line">
+            <a:avLst/>
+          </a:prstGeom>
+          <a:ln w="38100">
+            <a:solidFill>
+              <a:srgbClr val="00B0F0"/>
+            </a:solidFill>
+            <a:headEnd type="arrow" w="med" len="med"/>
+            <a:tailEnd type="arrow" w="med" len="med"/>
+          </a:ln>
+        </p:spPr>
+        <p:style>
+          <a:lnRef idx="1">
+            <a:schemeClr val="accent1"/>
+          </a:lnRef>
+          <a:fillRef idx="0">
+            <a:schemeClr val="accent1"/>
+          </a:fillRef>
+          <a:effectRef idx="0">
+            <a:schemeClr val="accent1"/>
+          </a:effectRef>
+          <a:fontRef idx="minor">
+            <a:schemeClr val="tx1"/>
+          </a:fontRef>
+        </p:style>
+      </p:cxnSp>
+      <p:cxnSp>
+        <p:nvCxnSpPr>
+          <p:cNvPr id="27" name="直線接點 26">
+            <a:extLst>
+              <a:ext uri="{FF2B5EF4-FFF2-40B4-BE49-F238E27FC236}">
+                <a16:creationId xmlns:a16="http://schemas.microsoft.com/office/drawing/2014/main" id="{9CCE6F21-EAFB-9CB1-B676-12A76237D98E}"/>
+              </a:ext>
+            </a:extLst>
+          </p:cNvPr>
+          <p:cNvCxnSpPr>
+            <a:cxnSpLocks/>
+          </p:cNvCxnSpPr>
+          <p:nvPr/>
+        </p:nvCxnSpPr>
+        <p:spPr>
+          <a:xfrm>
+            <a:off x="1551709" y="3578878"/>
+            <a:ext cx="1847273" cy="1454123"/>
+          </a:xfrm>
+          <a:prstGeom prst="line">
+            <a:avLst/>
+          </a:prstGeom>
+          <a:ln w="38100">
+            <a:solidFill>
+              <a:srgbClr val="00B0F0"/>
+            </a:solidFill>
+            <a:headEnd type="arrow" w="med" len="med"/>
+            <a:tailEnd type="arrow" w="med" len="med"/>
+          </a:ln>
+        </p:spPr>
+        <p:style>
+          <a:lnRef idx="1">
+            <a:schemeClr val="accent1"/>
+          </a:lnRef>
+          <a:fillRef idx="0">
+            <a:schemeClr val="accent1"/>
+          </a:fillRef>
+          <a:effectRef idx="0">
+            <a:schemeClr val="accent1"/>
+          </a:effectRef>
+          <a:fontRef idx="minor">
+            <a:schemeClr val="tx1"/>
+          </a:fontRef>
+        </p:style>
+      </p:cxnSp>
+      <p:pic>
+        <p:nvPicPr>
+          <p:cNvPr id="48" name="圖形 47" descr="電腦 以實心填滿">
+            <a:extLst>
+              <a:ext uri="{FF2B5EF4-FFF2-40B4-BE49-F238E27FC236}">
+                <a16:creationId xmlns:a16="http://schemas.microsoft.com/office/drawing/2014/main" id="{B64E3DE8-3964-7EA4-F00A-11ED50ED8990}"/>
+              </a:ext>
+            </a:extLst>
+          </p:cNvPr>
+          <p:cNvPicPr>
+            <a:picLocks noChangeAspect="1"/>
+          </p:cNvPicPr>
+          <p:nvPr/>
+        </p:nvPicPr>
+        <p:blipFill>
+          <a:blip r:embed="rId3">
+            <a:extLst>
+              <a:ext uri="{28A0092B-C50C-407E-A947-70E740481C1C}">
+                <a14:useLocalDpi xmlns:a14="http://schemas.microsoft.com/office/drawing/2010/main" val="0"/>
+              </a:ext>
+              <a:ext uri="{96DAC541-7B7A-43D3-8B79-37D633B846F1}">
+                <asvg:svgBlip xmlns:asvg="http://schemas.microsoft.com/office/drawing/2016/SVG/main" r:embed="rId4"/>
+              </a:ext>
+            </a:extLst>
+          </a:blip>
+          <a:stretch>
+            <a:fillRect/>
+          </a:stretch>
+        </p:blipFill>
+        <p:spPr>
+          <a:xfrm>
+            <a:off x="10718635" y="2927911"/>
+            <a:ext cx="914400" cy="914400"/>
+          </a:xfrm>
+          <a:prstGeom prst="rect">
+            <a:avLst/>
+          </a:prstGeom>
+        </p:spPr>
+      </p:pic>
+      <p:pic>
+        <p:nvPicPr>
+          <p:cNvPr id="50" name="圖形 49" descr="螢幕 以實心填滿">
+            <a:extLst>
+              <a:ext uri="{FF2B5EF4-FFF2-40B4-BE49-F238E27FC236}">
+                <a16:creationId xmlns:a16="http://schemas.microsoft.com/office/drawing/2014/main" id="{288B695E-5880-D38C-7F69-0EC0C976C1AF}"/>
+              </a:ext>
+            </a:extLst>
+          </p:cNvPr>
+          <p:cNvPicPr>
+            <a:picLocks noChangeAspect="1"/>
+          </p:cNvPicPr>
+          <p:nvPr/>
+        </p:nvPicPr>
+        <p:blipFill>
+          <a:blip r:embed="rId5">
+            <a:extLst>
+              <a:ext uri="{28A0092B-C50C-407E-A947-70E740481C1C}">
+                <a14:useLocalDpi xmlns:a14="http://schemas.microsoft.com/office/drawing/2010/main" val="0"/>
+              </a:ext>
+              <a:ext uri="{96DAC541-7B7A-43D3-8B79-37D633B846F1}">
+                <asvg:svgBlip xmlns:asvg="http://schemas.microsoft.com/office/drawing/2016/SVG/main" r:embed="rId6"/>
+              </a:ext>
+            </a:extLst>
+          </a:blip>
+          <a:stretch>
+            <a:fillRect/>
+          </a:stretch>
+        </p:blipFill>
+        <p:spPr>
+          <a:xfrm>
+            <a:off x="385543" y="2927911"/>
+            <a:ext cx="914400" cy="914400"/>
+          </a:xfrm>
+          <a:prstGeom prst="rect">
+            <a:avLst/>
+          </a:prstGeom>
+        </p:spPr>
+      </p:pic>
+      <p:sp>
+        <p:nvSpPr>
+          <p:cNvPr id="51" name="文字方塊 50">
+            <a:extLst>
+              <a:ext uri="{FF2B5EF4-FFF2-40B4-BE49-F238E27FC236}">
+                <a16:creationId xmlns:a16="http://schemas.microsoft.com/office/drawing/2014/main" id="{43FC3D4A-6A9F-076D-3C85-DF1DF517AB34}"/>
+              </a:ext>
+            </a:extLst>
+          </p:cNvPr>
+          <p:cNvSpPr txBox="1"/>
+          <p:nvPr/>
+        </p:nvSpPr>
+        <p:spPr>
+          <a:xfrm>
+            <a:off x="474950" y="3738357"/>
+            <a:ext cx="735586" cy="369332"/>
+          </a:xfrm>
+          <a:prstGeom prst="rect">
+            <a:avLst/>
+          </a:prstGeom>
+          <a:noFill/>
+        </p:spPr>
+        <p:txBody>
+          <a:bodyPr wrap="none" rtlCol="0">
+            <a:spAutoFit/>
+          </a:bodyPr>
+          <a:lstStyle/>
+          <a:p>
+            <a:pPr algn="ctr"/>
+            <a:r>
+              <a:rPr lang="en-US" altLang="zh-TW" b="1" dirty="0"/>
+              <a:t>Client</a:t>
+            </a:r>
+            <a:endParaRPr lang="zh-TW" altLang="en-US" b="1" dirty="0"/>
+          </a:p>
+        </p:txBody>
+      </p:sp>
+      <p:sp>
+        <p:nvSpPr>
+          <p:cNvPr id="52" name="文字方塊 51">
+            <a:extLst>
+              <a:ext uri="{FF2B5EF4-FFF2-40B4-BE49-F238E27FC236}">
+                <a16:creationId xmlns:a16="http://schemas.microsoft.com/office/drawing/2014/main" id="{029FDB3F-9386-EB64-27AB-09D5E29F3A18}"/>
+              </a:ext>
+            </a:extLst>
+          </p:cNvPr>
+          <p:cNvSpPr txBox="1"/>
+          <p:nvPr/>
+        </p:nvSpPr>
+        <p:spPr>
+          <a:xfrm>
+            <a:off x="10732053" y="3738357"/>
+            <a:ext cx="796949" cy="369332"/>
+          </a:xfrm>
+          <a:prstGeom prst="rect">
+            <a:avLst/>
+          </a:prstGeom>
+          <a:noFill/>
+        </p:spPr>
+        <p:txBody>
+          <a:bodyPr wrap="none" rtlCol="0">
+            <a:spAutoFit/>
+          </a:bodyPr>
+          <a:lstStyle/>
+          <a:p>
+            <a:pPr algn="ctr"/>
+            <a:r>
+              <a:rPr lang="en-US" altLang="zh-TW" b="1" dirty="0"/>
+              <a:t>Server</a:t>
+            </a:r>
+            <a:endParaRPr lang="zh-TW" altLang="en-US" b="1" dirty="0"/>
+          </a:p>
+        </p:txBody>
+      </p:sp>
+      <p:sp>
+        <p:nvSpPr>
+          <p:cNvPr id="53" name="矩形 52">
+            <a:extLst>
+              <a:ext uri="{FF2B5EF4-FFF2-40B4-BE49-F238E27FC236}">
+                <a16:creationId xmlns:a16="http://schemas.microsoft.com/office/drawing/2014/main" id="{D6839CEE-245C-0D08-5673-583370722664}"/>
+              </a:ext>
+            </a:extLst>
+          </p:cNvPr>
+          <p:cNvSpPr/>
+          <p:nvPr/>
+        </p:nvSpPr>
+        <p:spPr>
+          <a:xfrm>
+            <a:off x="1948873" y="803563"/>
+            <a:ext cx="7499928" cy="5477163"/>
+          </a:xfrm>
+          <a:prstGeom prst="rect">
+            <a:avLst/>
+          </a:prstGeom>
+          <a:noFill/>
+          <a:ln w="38100">
+            <a:solidFill>
+              <a:srgbClr val="00B0F0"/>
+            </a:solidFill>
+          </a:ln>
+        </p:spPr>
+        <p:style>
+          <a:lnRef idx="2">
+            <a:schemeClr val="accent1">
+              <a:shade val="15000"/>
+            </a:schemeClr>
+          </a:lnRef>
+          <a:fillRef idx="1">
+            <a:schemeClr val="accent1"/>
+          </a:fillRef>
+          <a:effectRef idx="0">
+            <a:schemeClr val="accent1"/>
+          </a:effectRef>
+          <a:fontRef idx="minor">
+            <a:schemeClr val="lt1"/>
+          </a:fontRef>
+        </p:style>
+        <p:txBody>
+          <a:bodyPr rtlCol="0" anchor="ctr"/>
+          <a:lstStyle/>
+          <a:p>
+            <a:pPr algn="ctr"/>
+            <a:endParaRPr lang="zh-TW" altLang="en-US"/>
+          </a:p>
+        </p:txBody>
+      </p:sp>
+      <p:pic>
+        <p:nvPicPr>
+          <p:cNvPr id="55" name="圖形 54" descr="螢幕 以實心填滿">
+            <a:extLst>
+              <a:ext uri="{FF2B5EF4-FFF2-40B4-BE49-F238E27FC236}">
+                <a16:creationId xmlns:a16="http://schemas.microsoft.com/office/drawing/2014/main" id="{80CD9ABD-070F-B084-3051-4C35410557AF}"/>
+              </a:ext>
+            </a:extLst>
+          </p:cNvPr>
+          <p:cNvPicPr>
+            <a:picLocks noChangeAspect="1"/>
+          </p:cNvPicPr>
+          <p:nvPr/>
+        </p:nvPicPr>
+        <p:blipFill>
+          <a:blip r:embed="rId7">
+            <a:extLst>
+              <a:ext uri="{28A0092B-C50C-407E-A947-70E740481C1C}">
+                <a14:useLocalDpi xmlns:a14="http://schemas.microsoft.com/office/drawing/2010/main" val="0"/>
+              </a:ext>
+              <a:ext uri="{96DAC541-7B7A-43D3-8B79-37D633B846F1}">
+                <asvg:svgBlip xmlns:asvg="http://schemas.microsoft.com/office/drawing/2016/SVG/main" r:embed="rId8"/>
+              </a:ext>
+            </a:extLst>
+          </a:blip>
+          <a:stretch>
+            <a:fillRect/>
+          </a:stretch>
+        </p:blipFill>
+        <p:spPr>
+          <a:xfrm>
+            <a:off x="8183238" y="4418150"/>
+            <a:ext cx="914400" cy="914400"/>
+          </a:xfrm>
+          <a:prstGeom prst="rect">
+            <a:avLst/>
+          </a:prstGeom>
+        </p:spPr>
+      </p:pic>
+      <p:sp>
+        <p:nvSpPr>
+          <p:cNvPr id="57" name="文字方塊 56">
+            <a:extLst>
+              <a:ext uri="{FF2B5EF4-FFF2-40B4-BE49-F238E27FC236}">
+                <a16:creationId xmlns:a16="http://schemas.microsoft.com/office/drawing/2014/main" id="{4BDB63EB-CC1B-64A3-40B4-6DE3BC229F31}"/>
+              </a:ext>
+            </a:extLst>
+          </p:cNvPr>
+          <p:cNvSpPr txBox="1"/>
+          <p:nvPr/>
+        </p:nvSpPr>
+        <p:spPr>
+          <a:xfrm>
+            <a:off x="8099661" y="5326890"/>
+            <a:ext cx="1099275" cy="923330"/>
+          </a:xfrm>
+          <a:prstGeom prst="rect">
+            <a:avLst/>
+          </a:prstGeom>
+          <a:noFill/>
+        </p:spPr>
+        <p:txBody>
+          <a:bodyPr wrap="none" rtlCol="0">
+            <a:spAutoFit/>
+          </a:bodyPr>
+          <a:lstStyle/>
+          <a:p>
+            <a:pPr algn="ctr"/>
+            <a:r>
+              <a:rPr lang="en-US" altLang="zh-TW" b="1" dirty="0">
+                <a:solidFill>
+                  <a:srgbClr val="00B0F0"/>
+                </a:solidFill>
+              </a:rPr>
+              <a:t>Topology </a:t>
+            </a:r>
+          </a:p>
+          <a:p>
+            <a:pPr algn="ctr"/>
+            <a:r>
+              <a:rPr lang="en-US" altLang="zh-TW" b="1" dirty="0">
+                <a:solidFill>
+                  <a:srgbClr val="00B0F0"/>
+                </a:solidFill>
+              </a:rPr>
+              <a:t>Emulator</a:t>
+            </a:r>
+          </a:p>
+          <a:p>
+            <a:pPr algn="ctr"/>
+            <a:r>
+              <a:rPr lang="en-US" altLang="zh-TW" b="1" dirty="0">
+                <a:solidFill>
+                  <a:srgbClr val="00B0F0"/>
+                </a:solidFill>
+              </a:rPr>
+              <a:t>Server</a:t>
+            </a:r>
+            <a:endParaRPr lang="zh-TW" altLang="en-US" b="1" dirty="0">
+              <a:solidFill>
+                <a:srgbClr val="00B0F0"/>
+              </a:solidFill>
             </a:endParaRPr>
           </a:p>
         </p:txBody>
@@ -5383,8 +6074,8 @@
         </p:nvSpPr>
         <p:spPr>
           <a:xfrm>
-            <a:off x="7855012" y="3817369"/>
-            <a:ext cx="1235210" cy="646331"/>
+            <a:off x="7797334" y="3892610"/>
+            <a:ext cx="1401602" cy="369332"/>
           </a:xfrm>
           <a:prstGeom prst="rect">
             <a:avLst/>
@@ -5404,34 +6095,7 @@
                   <a:schemeClr val="accent2"/>
                 </a:solidFill>
               </a:rPr>
-              <a:t>SSH</a:t>
-            </a:r>
-            <a:r>
-              <a:rPr lang="zh-TW" altLang="en-US" b="1" dirty="0">
-                <a:solidFill>
-                  <a:schemeClr val="accent2"/>
-                </a:solidFill>
-              </a:rPr>
-              <a:t> </a:t>
-            </a:r>
-            <a:r>
-              <a:rPr lang="en-US" altLang="zh-TW" b="1" dirty="0">
-                <a:solidFill>
-                  <a:schemeClr val="accent2"/>
-                </a:solidFill>
-              </a:rPr>
-              <a:t>port</a:t>
-            </a:r>
-          </a:p>
-          <a:p>
-            <a:pPr algn="ctr"/>
-            <a:r>
-              <a:rPr lang="en-US" altLang="zh-TW" b="1" dirty="0">
-                <a:solidFill>
-                  <a:schemeClr val="accent2"/>
-                </a:solidFill>
-              </a:rPr>
-              <a:t>forwarding</a:t>
+              <a:t>Layer4 Proxy</a:t>
             </a:r>
             <a:endParaRPr lang="zh-TW" altLang="en-US" b="1" dirty="0">
               <a:solidFill>
@@ -5455,8 +6119,8 @@
         </p:nvSpPr>
         <p:spPr>
           <a:xfrm>
-            <a:off x="3362983" y="5751655"/>
-            <a:ext cx="740908" cy="646331"/>
+            <a:off x="3032638" y="5751655"/>
+            <a:ext cx="1401602" cy="369332"/>
           </a:xfrm>
           <a:prstGeom prst="rect">
             <a:avLst/>
@@ -5476,18 +6140,7 @@
                   <a:srgbClr val="C00000"/>
                 </a:solidFill>
               </a:rPr>
-              <a:t>Sock5</a:t>
-            </a:r>
-          </a:p>
-          <a:p>
-            <a:pPr algn="ctr"/>
-            <a:r>
-              <a:rPr lang="en-US" altLang="zh-TW" b="1" dirty="0">
-                <a:solidFill>
-                  <a:srgbClr val="C00000"/>
-                </a:solidFill>
-              </a:rPr>
-              <a:t>Proxy</a:t>
+              <a:t>Layer4 Proxy</a:t>
             </a:r>
             <a:endParaRPr lang="zh-TW" altLang="en-US" b="1" dirty="0">
               <a:solidFill>
@@ -5524,6 +6177,8 @@
             <a:solidFill>
               <a:srgbClr val="00B0F0"/>
             </a:solidFill>
+            <a:headEnd type="arrow" w="med" len="med"/>
+            <a:tailEnd type="arrow" w="med" len="med"/>
           </a:ln>
         </p:spPr>
         <p:style>
@@ -5568,6 +6223,8 @@
             <a:solidFill>
               <a:srgbClr val="00B0F0"/>
             </a:solidFill>
+            <a:headEnd type="arrow" w="med" len="med"/>
+            <a:tailEnd type="arrow" w="med" len="med"/>
           </a:ln>
         </p:spPr>
         <p:style>
@@ -5613,6 +6270,8 @@
             <a:solidFill>
               <a:srgbClr val="00B0F0"/>
             </a:solidFill>
+            <a:headEnd type="arrow" w="med" len="med"/>
+            <a:tailEnd type="arrow" w="med" len="med"/>
           </a:ln>
         </p:spPr>
         <p:style>
@@ -5657,6 +6316,8 @@
             <a:solidFill>
               <a:srgbClr val="00B0F0"/>
             </a:solidFill>
+            <a:headEnd type="arrow" w="med" len="med"/>
+            <a:tailEnd type="arrow" w="med" len="med"/>
           </a:ln>
         </p:spPr>
         <p:style>
@@ -5701,6 +6362,8 @@
             <a:solidFill>
               <a:srgbClr val="00B0F0"/>
             </a:solidFill>
+            <a:headEnd type="arrow" w="med" len="med"/>
+            <a:tailEnd type="arrow" w="med" len="med"/>
           </a:ln>
         </p:spPr>
         <p:style>
@@ -5745,6 +6408,8 @@
             <a:solidFill>
               <a:srgbClr val="00B0F0"/>
             </a:solidFill>
+            <a:headEnd type="arrow" w="med" len="med"/>
+            <a:tailEnd type="arrow" w="med" len="med"/>
           </a:ln>
         </p:spPr>
         <p:style>
@@ -5776,7 +6441,7 @@
         </p:nvSpPr>
         <p:spPr>
           <a:xfrm>
-            <a:off x="3317557" y="874287"/>
+            <a:off x="3317558" y="874287"/>
             <a:ext cx="772969" cy="461665"/>
           </a:xfrm>
           <a:prstGeom prst="rect">
@@ -5821,7 +6486,7 @@
         </p:nvSpPr>
         <p:spPr>
           <a:xfrm>
-            <a:off x="5705396" y="874287"/>
+            <a:off x="5705397" y="874287"/>
             <a:ext cx="772969" cy="461665"/>
           </a:xfrm>
           <a:prstGeom prst="rect">
@@ -5911,7 +6576,7 @@
         </p:nvSpPr>
         <p:spPr>
           <a:xfrm>
-            <a:off x="3312802" y="2697083"/>
+            <a:off x="3312803" y="2697083"/>
             <a:ext cx="772969" cy="461665"/>
           </a:xfrm>
           <a:prstGeom prst="rect">
@@ -6001,7 +6666,7 @@
         </p:nvSpPr>
         <p:spPr>
           <a:xfrm>
-            <a:off x="3306034" y="4361271"/>
+            <a:off x="3306035" y="4361271"/>
             <a:ext cx="772969" cy="461665"/>
           </a:xfrm>
           <a:prstGeom prst="rect">
@@ -6046,6 +6711,1485 @@
         </p:nvSpPr>
         <p:spPr>
           <a:xfrm>
+            <a:off x="5674413" y="4382039"/>
+            <a:ext cx="772969" cy="461665"/>
+          </a:xfrm>
+          <a:prstGeom prst="rect">
+            <a:avLst/>
+          </a:prstGeom>
+          <a:noFill/>
+        </p:spPr>
+        <p:txBody>
+          <a:bodyPr wrap="none" rtlCol="0">
+            <a:spAutoFit/>
+          </a:bodyPr>
+          <a:lstStyle/>
+          <a:p>
+            <a:pPr algn="ctr"/>
+            <a:r>
+              <a:rPr lang="en-US" altLang="zh-TW" sz="2400" b="1" dirty="0">
+                <a:solidFill>
+                  <a:schemeClr val="accent6"/>
+                </a:solidFill>
+              </a:rPr>
+              <a:t>s3_2</a:t>
+            </a:r>
+            <a:endParaRPr lang="zh-TW" altLang="en-US" sz="2400" b="1" dirty="0">
+              <a:solidFill>
+                <a:schemeClr val="accent6"/>
+              </a:solidFill>
+            </a:endParaRPr>
+          </a:p>
+        </p:txBody>
+      </p:sp>
+      <p:sp>
+        <p:nvSpPr>
+          <p:cNvPr id="33" name="文字方塊 32">
+            <a:extLst>
+              <a:ext uri="{FF2B5EF4-FFF2-40B4-BE49-F238E27FC236}">
+                <a16:creationId xmlns:a16="http://schemas.microsoft.com/office/drawing/2014/main" id="{F19A9F74-5B91-A9FC-5899-22FDFC284ED5}"/>
+              </a:ext>
+            </a:extLst>
+          </p:cNvPr>
+          <p:cNvSpPr txBox="1"/>
+          <p:nvPr/>
+        </p:nvSpPr>
+        <p:spPr>
+          <a:xfrm>
+            <a:off x="3672169" y="1813581"/>
+            <a:ext cx="1082348" cy="338554"/>
+          </a:xfrm>
+          <a:prstGeom prst="rect">
+            <a:avLst/>
+          </a:prstGeom>
+          <a:noFill/>
+        </p:spPr>
+        <p:txBody>
+          <a:bodyPr wrap="none" rtlCol="0">
+            <a:spAutoFit/>
+          </a:bodyPr>
+          <a:lstStyle/>
+          <a:p>
+            <a:pPr algn="ctr"/>
+            <a:r>
+              <a:rPr lang="en-US" altLang="zh-TW" sz="1600" b="0" dirty="0">
+                <a:solidFill>
+                  <a:srgbClr val="C00000"/>
+                </a:solidFill>
+                <a:effectLst/>
+                <a:latin typeface="Consolas" panose="020B0609020204030204" pitchFamily="49" charset="0"/>
+              </a:rPr>
+              <a:t>10.1.1.1</a:t>
+            </a:r>
+            <a:endParaRPr lang="zh-TW" altLang="en-US" sz="1600" b="0" dirty="0">
+              <a:solidFill>
+                <a:srgbClr val="C00000"/>
+              </a:solidFill>
+              <a:effectLst/>
+              <a:latin typeface="Consolas" panose="020B0609020204030204" pitchFamily="49" charset="0"/>
+            </a:endParaRPr>
+          </a:p>
+        </p:txBody>
+      </p:sp>
+      <p:sp>
+        <p:nvSpPr>
+          <p:cNvPr id="34" name="文字方塊 33">
+            <a:extLst>
+              <a:ext uri="{FF2B5EF4-FFF2-40B4-BE49-F238E27FC236}">
+                <a16:creationId xmlns:a16="http://schemas.microsoft.com/office/drawing/2014/main" id="{38DC29D3-D875-F100-9407-797DBDF39398}"/>
+              </a:ext>
+            </a:extLst>
+          </p:cNvPr>
+          <p:cNvSpPr txBox="1"/>
+          <p:nvPr/>
+        </p:nvSpPr>
+        <p:spPr>
+          <a:xfrm>
+            <a:off x="4935015" y="1813581"/>
+            <a:ext cx="1082348" cy="338554"/>
+          </a:xfrm>
+          <a:prstGeom prst="rect">
+            <a:avLst/>
+          </a:prstGeom>
+          <a:noFill/>
+        </p:spPr>
+        <p:txBody>
+          <a:bodyPr wrap="none" rtlCol="0">
+            <a:spAutoFit/>
+          </a:bodyPr>
+          <a:lstStyle/>
+          <a:p>
+            <a:pPr algn="ctr"/>
+            <a:r>
+              <a:rPr lang="en-US" altLang="zh-TW" sz="1600" b="0" dirty="0">
+                <a:solidFill>
+                  <a:schemeClr val="accent6"/>
+                </a:solidFill>
+                <a:effectLst/>
+                <a:latin typeface="Consolas" panose="020B0609020204030204" pitchFamily="49" charset="0"/>
+              </a:rPr>
+              <a:t>10.1.1.2</a:t>
+            </a:r>
+            <a:endParaRPr lang="zh-TW" altLang="en-US" sz="1600" b="0" dirty="0">
+              <a:solidFill>
+                <a:schemeClr val="accent6"/>
+              </a:solidFill>
+              <a:effectLst/>
+              <a:latin typeface="Consolas" panose="020B0609020204030204" pitchFamily="49" charset="0"/>
+            </a:endParaRPr>
+          </a:p>
+        </p:txBody>
+      </p:sp>
+      <p:sp>
+        <p:nvSpPr>
+          <p:cNvPr id="35" name="文字方塊 34">
+            <a:extLst>
+              <a:ext uri="{FF2B5EF4-FFF2-40B4-BE49-F238E27FC236}">
+                <a16:creationId xmlns:a16="http://schemas.microsoft.com/office/drawing/2014/main" id="{1A43FD43-EA70-1145-F2D2-B4C580F31B10}"/>
+              </a:ext>
+            </a:extLst>
+          </p:cNvPr>
+          <p:cNvSpPr txBox="1"/>
+          <p:nvPr/>
+        </p:nvSpPr>
+        <p:spPr>
+          <a:xfrm>
+            <a:off x="3562717" y="3546070"/>
+            <a:ext cx="1082348" cy="338554"/>
+          </a:xfrm>
+          <a:prstGeom prst="rect">
+            <a:avLst/>
+          </a:prstGeom>
+          <a:noFill/>
+        </p:spPr>
+        <p:txBody>
+          <a:bodyPr wrap="none" rtlCol="0">
+            <a:spAutoFit/>
+          </a:bodyPr>
+          <a:lstStyle/>
+          <a:p>
+            <a:pPr algn="ctr"/>
+            <a:r>
+              <a:rPr lang="en-US" altLang="zh-TW" sz="1600" b="0" dirty="0">
+                <a:solidFill>
+                  <a:srgbClr val="C00000"/>
+                </a:solidFill>
+                <a:effectLst/>
+                <a:latin typeface="Consolas" panose="020B0609020204030204" pitchFamily="49" charset="0"/>
+              </a:rPr>
+              <a:t>10.2.1.1</a:t>
+            </a:r>
+            <a:endParaRPr lang="zh-TW" altLang="en-US" sz="1600" b="0" dirty="0">
+              <a:solidFill>
+                <a:srgbClr val="C00000"/>
+              </a:solidFill>
+              <a:effectLst/>
+              <a:latin typeface="Consolas" panose="020B0609020204030204" pitchFamily="49" charset="0"/>
+            </a:endParaRPr>
+          </a:p>
+        </p:txBody>
+      </p:sp>
+      <p:sp>
+        <p:nvSpPr>
+          <p:cNvPr id="36" name="文字方塊 35">
+            <a:extLst>
+              <a:ext uri="{FF2B5EF4-FFF2-40B4-BE49-F238E27FC236}">
+                <a16:creationId xmlns:a16="http://schemas.microsoft.com/office/drawing/2014/main" id="{80C617B1-DF9D-2F50-278B-F7227DB5CBBE}"/>
+              </a:ext>
+            </a:extLst>
+          </p:cNvPr>
+          <p:cNvSpPr txBox="1"/>
+          <p:nvPr/>
+        </p:nvSpPr>
+        <p:spPr>
+          <a:xfrm>
+            <a:off x="4935015" y="3554056"/>
+            <a:ext cx="1082348" cy="338554"/>
+          </a:xfrm>
+          <a:prstGeom prst="rect">
+            <a:avLst/>
+          </a:prstGeom>
+          <a:noFill/>
+        </p:spPr>
+        <p:txBody>
+          <a:bodyPr wrap="none" rtlCol="0">
+            <a:spAutoFit/>
+          </a:bodyPr>
+          <a:lstStyle/>
+          <a:p>
+            <a:pPr algn="ctr"/>
+            <a:r>
+              <a:rPr lang="en-US" altLang="zh-TW" sz="1600" b="0" dirty="0">
+                <a:solidFill>
+                  <a:schemeClr val="accent6"/>
+                </a:solidFill>
+                <a:effectLst/>
+                <a:latin typeface="Consolas" panose="020B0609020204030204" pitchFamily="49" charset="0"/>
+              </a:rPr>
+              <a:t>10.2.1.2</a:t>
+            </a:r>
+            <a:endParaRPr lang="zh-TW" altLang="en-US" sz="1600" b="0" dirty="0">
+              <a:solidFill>
+                <a:schemeClr val="accent6"/>
+              </a:solidFill>
+              <a:effectLst/>
+              <a:latin typeface="Consolas" panose="020B0609020204030204" pitchFamily="49" charset="0"/>
+            </a:endParaRPr>
+          </a:p>
+        </p:txBody>
+      </p:sp>
+      <p:sp>
+        <p:nvSpPr>
+          <p:cNvPr id="37" name="文字方塊 36">
+            <a:extLst>
+              <a:ext uri="{FF2B5EF4-FFF2-40B4-BE49-F238E27FC236}">
+                <a16:creationId xmlns:a16="http://schemas.microsoft.com/office/drawing/2014/main" id="{10BAAF8B-A8A4-7458-3C12-AB84253C4520}"/>
+              </a:ext>
+            </a:extLst>
+          </p:cNvPr>
+          <p:cNvSpPr txBox="1"/>
+          <p:nvPr/>
+        </p:nvSpPr>
+        <p:spPr>
+          <a:xfrm>
+            <a:off x="3562717" y="5259777"/>
+            <a:ext cx="1082348" cy="338554"/>
+          </a:xfrm>
+          <a:prstGeom prst="rect">
+            <a:avLst/>
+          </a:prstGeom>
+          <a:noFill/>
+        </p:spPr>
+        <p:txBody>
+          <a:bodyPr wrap="none" rtlCol="0">
+            <a:spAutoFit/>
+          </a:bodyPr>
+          <a:lstStyle/>
+          <a:p>
+            <a:pPr algn="ctr"/>
+            <a:r>
+              <a:rPr lang="en-US" altLang="zh-TW" sz="1600" b="0" dirty="0">
+                <a:solidFill>
+                  <a:srgbClr val="C00000"/>
+                </a:solidFill>
+                <a:effectLst/>
+                <a:latin typeface="Consolas" panose="020B0609020204030204" pitchFamily="49" charset="0"/>
+              </a:rPr>
+              <a:t>10.3.1.1</a:t>
+            </a:r>
+            <a:endParaRPr lang="zh-TW" altLang="en-US" sz="1600" b="0" dirty="0">
+              <a:solidFill>
+                <a:srgbClr val="C00000"/>
+              </a:solidFill>
+              <a:effectLst/>
+              <a:latin typeface="Consolas" panose="020B0609020204030204" pitchFamily="49" charset="0"/>
+            </a:endParaRPr>
+          </a:p>
+        </p:txBody>
+      </p:sp>
+      <p:sp>
+        <p:nvSpPr>
+          <p:cNvPr id="38" name="文字方塊 37">
+            <a:extLst>
+              <a:ext uri="{FF2B5EF4-FFF2-40B4-BE49-F238E27FC236}">
+                <a16:creationId xmlns:a16="http://schemas.microsoft.com/office/drawing/2014/main" id="{55DE200C-F805-C480-C31A-6EE31E44DDE5}"/>
+              </a:ext>
+            </a:extLst>
+          </p:cNvPr>
+          <p:cNvSpPr txBox="1"/>
+          <p:nvPr/>
+        </p:nvSpPr>
+        <p:spPr>
+          <a:xfrm>
+            <a:off x="4936296" y="5289968"/>
+            <a:ext cx="1082348" cy="338554"/>
+          </a:xfrm>
+          <a:prstGeom prst="rect">
+            <a:avLst/>
+          </a:prstGeom>
+          <a:noFill/>
+        </p:spPr>
+        <p:txBody>
+          <a:bodyPr wrap="none" rtlCol="0">
+            <a:spAutoFit/>
+          </a:bodyPr>
+          <a:lstStyle/>
+          <a:p>
+            <a:pPr algn="ctr"/>
+            <a:r>
+              <a:rPr lang="en-US" altLang="zh-TW" sz="1600" b="0" dirty="0">
+                <a:solidFill>
+                  <a:schemeClr val="accent6"/>
+                </a:solidFill>
+                <a:effectLst/>
+                <a:latin typeface="Consolas" panose="020B0609020204030204" pitchFamily="49" charset="0"/>
+              </a:rPr>
+              <a:t>10.3.1.2</a:t>
+            </a:r>
+            <a:endParaRPr lang="zh-TW" altLang="en-US" sz="1600" b="0" dirty="0">
+              <a:solidFill>
+                <a:schemeClr val="accent6"/>
+              </a:solidFill>
+              <a:effectLst/>
+              <a:latin typeface="Consolas" panose="020B0609020204030204" pitchFamily="49" charset="0"/>
+            </a:endParaRPr>
+          </a:p>
+        </p:txBody>
+      </p:sp>
+      <p:sp>
+        <p:nvSpPr>
+          <p:cNvPr id="39" name="文字方塊 38">
+            <a:extLst>
+              <a:ext uri="{FF2B5EF4-FFF2-40B4-BE49-F238E27FC236}">
+                <a16:creationId xmlns:a16="http://schemas.microsoft.com/office/drawing/2014/main" id="{A2E81E94-4554-7E47-F580-494BE96EF848}"/>
+              </a:ext>
+            </a:extLst>
+          </p:cNvPr>
+          <p:cNvSpPr txBox="1"/>
+          <p:nvPr/>
+        </p:nvSpPr>
+        <p:spPr>
+          <a:xfrm>
+            <a:off x="6317220" y="1359478"/>
+            <a:ext cx="1082348" cy="338554"/>
+          </a:xfrm>
+          <a:prstGeom prst="rect">
+            <a:avLst/>
+          </a:prstGeom>
+          <a:noFill/>
+        </p:spPr>
+        <p:txBody>
+          <a:bodyPr wrap="none" rtlCol="0">
+            <a:spAutoFit/>
+          </a:bodyPr>
+          <a:lstStyle/>
+          <a:p>
+            <a:pPr algn="ctr"/>
+            <a:r>
+              <a:rPr lang="en-US" altLang="zh-TW" sz="1600" b="0" dirty="0">
+                <a:solidFill>
+                  <a:schemeClr val="accent2"/>
+                </a:solidFill>
+                <a:effectLst/>
+                <a:latin typeface="Consolas" panose="020B0609020204030204" pitchFamily="49" charset="0"/>
+              </a:rPr>
+              <a:t>10.4.1.1</a:t>
+            </a:r>
+            <a:endParaRPr lang="zh-TW" altLang="en-US" sz="1600" b="0" dirty="0">
+              <a:solidFill>
+                <a:schemeClr val="accent2"/>
+              </a:solidFill>
+              <a:effectLst/>
+              <a:latin typeface="Consolas" panose="020B0609020204030204" pitchFamily="49" charset="0"/>
+            </a:endParaRPr>
+          </a:p>
+        </p:txBody>
+      </p:sp>
+      <p:sp>
+        <p:nvSpPr>
+          <p:cNvPr id="40" name="文字方塊 39">
+            <a:extLst>
+              <a:ext uri="{FF2B5EF4-FFF2-40B4-BE49-F238E27FC236}">
+                <a16:creationId xmlns:a16="http://schemas.microsoft.com/office/drawing/2014/main" id="{159604D4-320F-DA40-9284-BC2628224D17}"/>
+              </a:ext>
+            </a:extLst>
+          </p:cNvPr>
+          <p:cNvSpPr txBox="1"/>
+          <p:nvPr/>
+        </p:nvSpPr>
+        <p:spPr>
+          <a:xfrm>
+            <a:off x="6303912" y="3554056"/>
+            <a:ext cx="1082348" cy="338554"/>
+          </a:xfrm>
+          <a:prstGeom prst="rect">
+            <a:avLst/>
+          </a:prstGeom>
+          <a:noFill/>
+        </p:spPr>
+        <p:txBody>
+          <a:bodyPr wrap="none" rtlCol="0">
+            <a:spAutoFit/>
+          </a:bodyPr>
+          <a:lstStyle/>
+          <a:p>
+            <a:pPr algn="ctr"/>
+            <a:r>
+              <a:rPr lang="en-US" altLang="zh-TW" sz="1600" b="0" dirty="0">
+                <a:solidFill>
+                  <a:schemeClr val="accent2"/>
+                </a:solidFill>
+                <a:effectLst/>
+                <a:latin typeface="Consolas" panose="020B0609020204030204" pitchFamily="49" charset="0"/>
+              </a:rPr>
+              <a:t>10.4.1.2</a:t>
+            </a:r>
+            <a:endParaRPr lang="zh-TW" altLang="en-US" sz="1600" b="0" dirty="0">
+              <a:solidFill>
+                <a:schemeClr val="accent2"/>
+              </a:solidFill>
+              <a:effectLst/>
+              <a:latin typeface="Consolas" panose="020B0609020204030204" pitchFamily="49" charset="0"/>
+            </a:endParaRPr>
+          </a:p>
+        </p:txBody>
+      </p:sp>
+      <p:sp>
+        <p:nvSpPr>
+          <p:cNvPr id="41" name="文字方塊 40">
+            <a:extLst>
+              <a:ext uri="{FF2B5EF4-FFF2-40B4-BE49-F238E27FC236}">
+                <a16:creationId xmlns:a16="http://schemas.microsoft.com/office/drawing/2014/main" id="{298EE196-65CE-8314-C421-5E716ECA0257}"/>
+              </a:ext>
+            </a:extLst>
+          </p:cNvPr>
+          <p:cNvSpPr txBox="1"/>
+          <p:nvPr/>
+        </p:nvSpPr>
+        <p:spPr>
+          <a:xfrm>
+            <a:off x="6317220" y="5033001"/>
+            <a:ext cx="1082348" cy="338554"/>
+          </a:xfrm>
+          <a:prstGeom prst="rect">
+            <a:avLst/>
+          </a:prstGeom>
+          <a:noFill/>
+        </p:spPr>
+        <p:txBody>
+          <a:bodyPr wrap="none" rtlCol="0">
+            <a:spAutoFit/>
+          </a:bodyPr>
+          <a:lstStyle/>
+          <a:p>
+            <a:pPr algn="ctr"/>
+            <a:r>
+              <a:rPr lang="en-US" altLang="zh-TW" sz="1600" b="0" dirty="0">
+                <a:solidFill>
+                  <a:schemeClr val="accent2"/>
+                </a:solidFill>
+                <a:effectLst/>
+                <a:latin typeface="Consolas" panose="020B0609020204030204" pitchFamily="49" charset="0"/>
+              </a:rPr>
+              <a:t>10.4.1.3</a:t>
+            </a:r>
+            <a:endParaRPr lang="zh-TW" altLang="en-US" sz="1600" b="0" dirty="0">
+              <a:solidFill>
+                <a:schemeClr val="accent2"/>
+              </a:solidFill>
+              <a:effectLst/>
+              <a:latin typeface="Consolas" panose="020B0609020204030204" pitchFamily="49" charset="0"/>
+            </a:endParaRPr>
+          </a:p>
+        </p:txBody>
+      </p:sp>
+      <p:sp>
+        <p:nvSpPr>
+          <p:cNvPr id="42" name="文字方塊 41">
+            <a:extLst>
+              <a:ext uri="{FF2B5EF4-FFF2-40B4-BE49-F238E27FC236}">
+                <a16:creationId xmlns:a16="http://schemas.microsoft.com/office/drawing/2014/main" id="{9DA116E2-090D-D5BF-1A61-5CD9159DC847}"/>
+              </a:ext>
+            </a:extLst>
+          </p:cNvPr>
+          <p:cNvSpPr txBox="1"/>
+          <p:nvPr/>
+        </p:nvSpPr>
+        <p:spPr>
+          <a:xfrm>
+            <a:off x="7931443" y="3562783"/>
+            <a:ext cx="1082348" cy="338554"/>
+          </a:xfrm>
+          <a:prstGeom prst="rect">
+            <a:avLst/>
+          </a:prstGeom>
+          <a:noFill/>
+        </p:spPr>
+        <p:txBody>
+          <a:bodyPr wrap="none" rtlCol="0">
+            <a:spAutoFit/>
+          </a:bodyPr>
+          <a:lstStyle/>
+          <a:p>
+            <a:pPr algn="ctr"/>
+            <a:r>
+              <a:rPr lang="en-US" altLang="zh-TW" sz="1600" b="0" dirty="0">
+                <a:solidFill>
+                  <a:schemeClr val="accent2"/>
+                </a:solidFill>
+                <a:effectLst/>
+                <a:latin typeface="Consolas" panose="020B0609020204030204" pitchFamily="49" charset="0"/>
+              </a:rPr>
+              <a:t>10.4.1.4</a:t>
+            </a:r>
+            <a:endParaRPr lang="zh-TW" altLang="en-US" sz="1600" b="0" dirty="0">
+              <a:solidFill>
+                <a:schemeClr val="accent2"/>
+              </a:solidFill>
+              <a:effectLst/>
+              <a:latin typeface="Consolas" panose="020B0609020204030204" pitchFamily="49" charset="0"/>
+            </a:endParaRPr>
+          </a:p>
+        </p:txBody>
+      </p:sp>
+      <p:cxnSp>
+        <p:nvCxnSpPr>
+          <p:cNvPr id="4" name="直線接點 3">
+            <a:extLst>
+              <a:ext uri="{FF2B5EF4-FFF2-40B4-BE49-F238E27FC236}">
+                <a16:creationId xmlns:a16="http://schemas.microsoft.com/office/drawing/2014/main" id="{7CD0141C-83F2-29B9-496D-DB8A6118DF57}"/>
+              </a:ext>
+            </a:extLst>
+          </p:cNvPr>
+          <p:cNvCxnSpPr/>
+          <p:nvPr/>
+        </p:nvCxnSpPr>
+        <p:spPr>
+          <a:xfrm>
+            <a:off x="8719752" y="3336006"/>
+            <a:ext cx="1882347" cy="0"/>
+          </a:xfrm>
+          <a:prstGeom prst="line">
+            <a:avLst/>
+          </a:prstGeom>
+          <a:ln w="38100">
+            <a:solidFill>
+              <a:srgbClr val="00B0F0"/>
+            </a:solidFill>
+            <a:headEnd type="arrow" w="med" len="med"/>
+            <a:tailEnd type="arrow" w="med" len="med"/>
+          </a:ln>
+        </p:spPr>
+        <p:style>
+          <a:lnRef idx="1">
+            <a:schemeClr val="accent1"/>
+          </a:lnRef>
+          <a:fillRef idx="0">
+            <a:schemeClr val="accent1"/>
+          </a:fillRef>
+          <a:effectRef idx="0">
+            <a:schemeClr val="accent1"/>
+          </a:effectRef>
+          <a:fontRef idx="minor">
+            <a:schemeClr val="tx1"/>
+          </a:fontRef>
+        </p:style>
+      </p:cxnSp>
+    </p:spTree>
+    <p:extLst>
+      <p:ext uri="{BB962C8B-B14F-4D97-AF65-F5344CB8AC3E}">
+        <p14:creationId xmlns:p14="http://schemas.microsoft.com/office/powerpoint/2010/main" val="1879754221"/>
+      </p:ext>
+    </p:extLst>
+  </p:cSld>
+  <p:clrMapOvr>
+    <a:masterClrMapping/>
+  </p:clrMapOvr>
+</p:sld>
+</file>
+
+<file path=ppt/slides/slide3.xml><?xml version="1.0" encoding="utf-8"?>
+<p:sld xmlns:a="http://schemas.openxmlformats.org/drawingml/2006/main" xmlns:r="http://schemas.openxmlformats.org/officeDocument/2006/relationships" xmlns:p="http://schemas.openxmlformats.org/presentationml/2006/main">
+  <p:cSld>
+    <p:spTree>
+      <p:nvGrpSpPr>
+        <p:cNvPr id="1" name=""/>
+        <p:cNvGrpSpPr/>
+        <p:nvPr/>
+      </p:nvGrpSpPr>
+      <p:grpSpPr>
+        <a:xfrm>
+          <a:off x="0" y="0"/>
+          <a:ext cx="0" cy="0"/>
+          <a:chOff x="0" y="0"/>
+          <a:chExt cx="0" cy="0"/>
+        </a:xfrm>
+      </p:grpSpPr>
+      <p:sp>
+        <p:nvSpPr>
+          <p:cNvPr id="6" name="六邊形 5"/>
+          <p:cNvSpPr/>
+          <p:nvPr/>
+        </p:nvSpPr>
+        <p:spPr>
+          <a:xfrm>
+            <a:off x="3472248" y="1428946"/>
+            <a:ext cx="494270" cy="420130"/>
+          </a:xfrm>
+          <a:prstGeom prst="hexagon">
+            <a:avLst/>
+          </a:prstGeom>
+          <a:solidFill>
+            <a:srgbClr val="C00000"/>
+          </a:solidFill>
+          <a:ln>
+            <a:solidFill>
+              <a:srgbClr val="C00000"/>
+            </a:solidFill>
+          </a:ln>
+        </p:spPr>
+        <p:style>
+          <a:lnRef idx="2">
+            <a:schemeClr val="accent1">
+              <a:shade val="50000"/>
+            </a:schemeClr>
+          </a:lnRef>
+          <a:fillRef idx="1">
+            <a:schemeClr val="accent1"/>
+          </a:fillRef>
+          <a:effectRef idx="0">
+            <a:schemeClr val="accent1"/>
+          </a:effectRef>
+          <a:fontRef idx="minor">
+            <a:schemeClr val="lt1"/>
+          </a:fontRef>
+        </p:style>
+        <p:txBody>
+          <a:bodyPr rtlCol="0" anchor="ctr"/>
+          <a:lstStyle/>
+          <a:p>
+            <a:pPr algn="ctr"/>
+            <a:endParaRPr lang="zh-TW" altLang="en-US"/>
+          </a:p>
+        </p:txBody>
+      </p:sp>
+      <p:sp>
+        <p:nvSpPr>
+          <p:cNvPr id="7" name="六邊形 6"/>
+          <p:cNvSpPr/>
+          <p:nvPr/>
+        </p:nvSpPr>
+        <p:spPr>
+          <a:xfrm>
+            <a:off x="3472248" y="3125941"/>
+            <a:ext cx="494270" cy="420130"/>
+          </a:xfrm>
+          <a:prstGeom prst="hexagon">
+            <a:avLst/>
+          </a:prstGeom>
+          <a:solidFill>
+            <a:srgbClr val="C00000"/>
+          </a:solidFill>
+          <a:ln>
+            <a:solidFill>
+              <a:srgbClr val="C00000"/>
+            </a:solidFill>
+          </a:ln>
+        </p:spPr>
+        <p:style>
+          <a:lnRef idx="2">
+            <a:schemeClr val="accent1">
+              <a:shade val="50000"/>
+            </a:schemeClr>
+          </a:lnRef>
+          <a:fillRef idx="1">
+            <a:schemeClr val="accent1"/>
+          </a:fillRef>
+          <a:effectRef idx="0">
+            <a:schemeClr val="accent1"/>
+          </a:effectRef>
+          <a:fontRef idx="minor">
+            <a:schemeClr val="lt1"/>
+          </a:fontRef>
+        </p:style>
+        <p:txBody>
+          <a:bodyPr rtlCol="0" anchor="ctr"/>
+          <a:lstStyle/>
+          <a:p>
+            <a:pPr algn="ctr"/>
+            <a:endParaRPr lang="zh-TW" altLang="en-US"/>
+          </a:p>
+        </p:txBody>
+      </p:sp>
+      <p:sp>
+        <p:nvSpPr>
+          <p:cNvPr id="8" name="六邊形 7"/>
+          <p:cNvSpPr/>
+          <p:nvPr/>
+        </p:nvSpPr>
+        <p:spPr>
+          <a:xfrm>
+            <a:off x="3472248" y="4822936"/>
+            <a:ext cx="494270" cy="420130"/>
+          </a:xfrm>
+          <a:prstGeom prst="hexagon">
+            <a:avLst/>
+          </a:prstGeom>
+          <a:solidFill>
+            <a:srgbClr val="C00000"/>
+          </a:solidFill>
+          <a:ln>
+            <a:solidFill>
+              <a:srgbClr val="C00000"/>
+            </a:solidFill>
+          </a:ln>
+        </p:spPr>
+        <p:style>
+          <a:lnRef idx="2">
+            <a:schemeClr val="accent1">
+              <a:shade val="50000"/>
+            </a:schemeClr>
+          </a:lnRef>
+          <a:fillRef idx="1">
+            <a:schemeClr val="accent1"/>
+          </a:fillRef>
+          <a:effectRef idx="0">
+            <a:schemeClr val="accent1"/>
+          </a:effectRef>
+          <a:fontRef idx="minor">
+            <a:schemeClr val="lt1"/>
+          </a:fontRef>
+        </p:style>
+        <p:txBody>
+          <a:bodyPr rtlCol="0" anchor="ctr"/>
+          <a:lstStyle/>
+          <a:p>
+            <a:pPr algn="ctr"/>
+            <a:endParaRPr lang="zh-TW" altLang="en-US"/>
+          </a:p>
+        </p:txBody>
+      </p:sp>
+      <p:sp>
+        <p:nvSpPr>
+          <p:cNvPr id="9" name="六邊形 8"/>
+          <p:cNvSpPr/>
+          <p:nvPr/>
+        </p:nvSpPr>
+        <p:spPr>
+          <a:xfrm>
+            <a:off x="5848865" y="1428946"/>
+            <a:ext cx="494270" cy="420130"/>
+          </a:xfrm>
+          <a:prstGeom prst="hexagon">
+            <a:avLst/>
+          </a:prstGeom>
+          <a:solidFill>
+            <a:schemeClr val="accent6"/>
+          </a:solidFill>
+          <a:ln>
+            <a:solidFill>
+              <a:schemeClr val="accent6"/>
+            </a:solidFill>
+          </a:ln>
+        </p:spPr>
+        <p:style>
+          <a:lnRef idx="2">
+            <a:schemeClr val="accent1">
+              <a:shade val="50000"/>
+            </a:schemeClr>
+          </a:lnRef>
+          <a:fillRef idx="1">
+            <a:schemeClr val="accent1"/>
+          </a:fillRef>
+          <a:effectRef idx="0">
+            <a:schemeClr val="accent1"/>
+          </a:effectRef>
+          <a:fontRef idx="minor">
+            <a:schemeClr val="lt1"/>
+          </a:fontRef>
+        </p:style>
+        <p:txBody>
+          <a:bodyPr rtlCol="0" anchor="ctr"/>
+          <a:lstStyle/>
+          <a:p>
+            <a:pPr algn="ctr"/>
+            <a:endParaRPr lang="zh-TW" altLang="en-US"/>
+          </a:p>
+        </p:txBody>
+      </p:sp>
+      <p:sp>
+        <p:nvSpPr>
+          <p:cNvPr id="10" name="六邊形 9"/>
+          <p:cNvSpPr/>
+          <p:nvPr/>
+        </p:nvSpPr>
+        <p:spPr>
+          <a:xfrm>
+            <a:off x="5848865" y="3125941"/>
+            <a:ext cx="494270" cy="420130"/>
+          </a:xfrm>
+          <a:prstGeom prst="hexagon">
+            <a:avLst/>
+          </a:prstGeom>
+          <a:solidFill>
+            <a:schemeClr val="accent6"/>
+          </a:solidFill>
+          <a:ln>
+            <a:solidFill>
+              <a:schemeClr val="accent6"/>
+            </a:solidFill>
+          </a:ln>
+        </p:spPr>
+        <p:style>
+          <a:lnRef idx="2">
+            <a:schemeClr val="accent1">
+              <a:shade val="50000"/>
+            </a:schemeClr>
+          </a:lnRef>
+          <a:fillRef idx="1">
+            <a:schemeClr val="accent1"/>
+          </a:fillRef>
+          <a:effectRef idx="0">
+            <a:schemeClr val="accent1"/>
+          </a:effectRef>
+          <a:fontRef idx="minor">
+            <a:schemeClr val="lt1"/>
+          </a:fontRef>
+        </p:style>
+        <p:txBody>
+          <a:bodyPr rtlCol="0" anchor="ctr"/>
+          <a:lstStyle/>
+          <a:p>
+            <a:pPr algn="ctr"/>
+            <a:endParaRPr lang="zh-TW" altLang="en-US"/>
+          </a:p>
+        </p:txBody>
+      </p:sp>
+      <p:sp>
+        <p:nvSpPr>
+          <p:cNvPr id="11" name="六邊形 10"/>
+          <p:cNvSpPr/>
+          <p:nvPr/>
+        </p:nvSpPr>
+        <p:spPr>
+          <a:xfrm>
+            <a:off x="5848865" y="4822936"/>
+            <a:ext cx="494270" cy="420130"/>
+          </a:xfrm>
+          <a:prstGeom prst="hexagon">
+            <a:avLst/>
+          </a:prstGeom>
+          <a:solidFill>
+            <a:schemeClr val="accent6"/>
+          </a:solidFill>
+          <a:ln>
+            <a:solidFill>
+              <a:schemeClr val="accent6"/>
+            </a:solidFill>
+          </a:ln>
+        </p:spPr>
+        <p:style>
+          <a:lnRef idx="2">
+            <a:schemeClr val="accent1">
+              <a:shade val="50000"/>
+            </a:schemeClr>
+          </a:lnRef>
+          <a:fillRef idx="1">
+            <a:schemeClr val="accent1"/>
+          </a:fillRef>
+          <a:effectRef idx="0">
+            <a:schemeClr val="accent1"/>
+          </a:effectRef>
+          <a:fontRef idx="minor">
+            <a:schemeClr val="lt1"/>
+          </a:fontRef>
+        </p:style>
+        <p:txBody>
+          <a:bodyPr rtlCol="0" anchor="ctr"/>
+          <a:lstStyle/>
+          <a:p>
+            <a:pPr algn="ctr"/>
+            <a:endParaRPr lang="zh-TW" altLang="en-US"/>
+          </a:p>
+        </p:txBody>
+      </p:sp>
+      <p:sp>
+        <p:nvSpPr>
+          <p:cNvPr id="13" name="六邊形 12"/>
+          <p:cNvSpPr/>
+          <p:nvPr/>
+        </p:nvSpPr>
+        <p:spPr>
+          <a:xfrm>
+            <a:off x="8225482" y="3125941"/>
+            <a:ext cx="494270" cy="420130"/>
+          </a:xfrm>
+          <a:prstGeom prst="hexagon">
+            <a:avLst/>
+          </a:prstGeom>
+          <a:solidFill>
+            <a:schemeClr val="accent2"/>
+          </a:solidFill>
+          <a:ln>
+            <a:solidFill>
+              <a:schemeClr val="accent2"/>
+            </a:solidFill>
+          </a:ln>
+        </p:spPr>
+        <p:style>
+          <a:lnRef idx="2">
+            <a:schemeClr val="accent1">
+              <a:shade val="50000"/>
+            </a:schemeClr>
+          </a:lnRef>
+          <a:fillRef idx="1">
+            <a:schemeClr val="accent1"/>
+          </a:fillRef>
+          <a:effectRef idx="0">
+            <a:schemeClr val="accent1"/>
+          </a:effectRef>
+          <a:fontRef idx="minor">
+            <a:schemeClr val="lt1"/>
+          </a:fontRef>
+        </p:style>
+        <p:txBody>
+          <a:bodyPr rtlCol="0" anchor="ctr"/>
+          <a:lstStyle/>
+          <a:p>
+            <a:pPr algn="ctr"/>
+            <a:endParaRPr lang="zh-TW" altLang="en-US"/>
+          </a:p>
+        </p:txBody>
+      </p:sp>
+      <p:cxnSp>
+        <p:nvCxnSpPr>
+          <p:cNvPr id="5" name="直線接點 4">
+            <a:extLst>
+              <a:ext uri="{FF2B5EF4-FFF2-40B4-BE49-F238E27FC236}">
+                <a16:creationId xmlns:a16="http://schemas.microsoft.com/office/drawing/2014/main" id="{2F7979B3-EA59-6019-D8D9-74C6EBE4C369}"/>
+              </a:ext>
+            </a:extLst>
+          </p:cNvPr>
+          <p:cNvCxnSpPr>
+            <a:stCxn id="6" idx="0"/>
+            <a:endCxn id="9" idx="3"/>
+          </p:cNvCxnSpPr>
+          <p:nvPr/>
+        </p:nvCxnSpPr>
+        <p:spPr>
+          <a:xfrm>
+            <a:off x="3966518" y="1639011"/>
+            <a:ext cx="1882347" cy="0"/>
+          </a:xfrm>
+          <a:prstGeom prst="line">
+            <a:avLst/>
+          </a:prstGeom>
+          <a:ln w="38100">
+            <a:solidFill>
+              <a:srgbClr val="00B0F0"/>
+            </a:solidFill>
+          </a:ln>
+        </p:spPr>
+        <p:style>
+          <a:lnRef idx="1">
+            <a:schemeClr val="accent1"/>
+          </a:lnRef>
+          <a:fillRef idx="0">
+            <a:schemeClr val="accent1"/>
+          </a:fillRef>
+          <a:effectRef idx="0">
+            <a:schemeClr val="accent1"/>
+          </a:effectRef>
+          <a:fontRef idx="minor">
+            <a:schemeClr val="tx1"/>
+          </a:fontRef>
+        </p:style>
+      </p:cxnSp>
+      <p:cxnSp>
+        <p:nvCxnSpPr>
+          <p:cNvPr id="15" name="直線接點 14">
+            <a:extLst>
+              <a:ext uri="{FF2B5EF4-FFF2-40B4-BE49-F238E27FC236}">
+                <a16:creationId xmlns:a16="http://schemas.microsoft.com/office/drawing/2014/main" id="{0BA8E699-1F14-D39B-38FC-F48A23DA243D}"/>
+              </a:ext>
+            </a:extLst>
+          </p:cNvPr>
+          <p:cNvCxnSpPr>
+            <a:stCxn id="9" idx="0"/>
+            <a:endCxn id="13" idx="3"/>
+          </p:cNvCxnSpPr>
+          <p:nvPr/>
+        </p:nvCxnSpPr>
+        <p:spPr>
+          <a:xfrm>
+            <a:off x="6343135" y="1639011"/>
+            <a:ext cx="1882347" cy="1696995"/>
+          </a:xfrm>
+          <a:prstGeom prst="line">
+            <a:avLst/>
+          </a:prstGeom>
+          <a:ln w="38100">
+            <a:solidFill>
+              <a:srgbClr val="00B0F0"/>
+            </a:solidFill>
+          </a:ln>
+        </p:spPr>
+        <p:style>
+          <a:lnRef idx="1">
+            <a:schemeClr val="accent1"/>
+          </a:lnRef>
+          <a:fillRef idx="0">
+            <a:schemeClr val="accent1"/>
+          </a:fillRef>
+          <a:effectRef idx="0">
+            <a:schemeClr val="accent1"/>
+          </a:effectRef>
+          <a:fontRef idx="minor">
+            <a:schemeClr val="tx1"/>
+          </a:fontRef>
+        </p:style>
+      </p:cxnSp>
+      <p:cxnSp>
+        <p:nvCxnSpPr>
+          <p:cNvPr id="17" name="直線接點 16">
+            <a:extLst>
+              <a:ext uri="{FF2B5EF4-FFF2-40B4-BE49-F238E27FC236}">
+                <a16:creationId xmlns:a16="http://schemas.microsoft.com/office/drawing/2014/main" id="{166D2F27-C2C7-E243-B6AB-7F9314368467}"/>
+              </a:ext>
+            </a:extLst>
+          </p:cNvPr>
+          <p:cNvCxnSpPr>
+            <a:cxnSpLocks/>
+            <a:stCxn id="7" idx="0"/>
+            <a:endCxn id="10" idx="3"/>
+          </p:cNvCxnSpPr>
+          <p:nvPr/>
+        </p:nvCxnSpPr>
+        <p:spPr>
+          <a:xfrm>
+            <a:off x="3966518" y="3336006"/>
+            <a:ext cx="1882347" cy="0"/>
+          </a:xfrm>
+          <a:prstGeom prst="line">
+            <a:avLst/>
+          </a:prstGeom>
+          <a:ln w="38100">
+            <a:solidFill>
+              <a:srgbClr val="00B0F0"/>
+            </a:solidFill>
+          </a:ln>
+        </p:spPr>
+        <p:style>
+          <a:lnRef idx="1">
+            <a:schemeClr val="accent1"/>
+          </a:lnRef>
+          <a:fillRef idx="0">
+            <a:schemeClr val="accent1"/>
+          </a:fillRef>
+          <a:effectRef idx="0">
+            <a:schemeClr val="accent1"/>
+          </a:effectRef>
+          <a:fontRef idx="minor">
+            <a:schemeClr val="tx1"/>
+          </a:fontRef>
+        </p:style>
+      </p:cxnSp>
+      <p:cxnSp>
+        <p:nvCxnSpPr>
+          <p:cNvPr id="19" name="直線接點 18">
+            <a:extLst>
+              <a:ext uri="{FF2B5EF4-FFF2-40B4-BE49-F238E27FC236}">
+                <a16:creationId xmlns:a16="http://schemas.microsoft.com/office/drawing/2014/main" id="{1334D322-80F7-F8BE-A956-6BD678D27C1B}"/>
+              </a:ext>
+            </a:extLst>
+          </p:cNvPr>
+          <p:cNvCxnSpPr>
+            <a:stCxn id="10" idx="0"/>
+            <a:endCxn id="13" idx="3"/>
+          </p:cNvCxnSpPr>
+          <p:nvPr/>
+        </p:nvCxnSpPr>
+        <p:spPr>
+          <a:xfrm>
+            <a:off x="6343135" y="3336006"/>
+            <a:ext cx="1882347" cy="0"/>
+          </a:xfrm>
+          <a:prstGeom prst="line">
+            <a:avLst/>
+          </a:prstGeom>
+          <a:ln w="38100">
+            <a:solidFill>
+              <a:srgbClr val="00B0F0"/>
+            </a:solidFill>
+          </a:ln>
+        </p:spPr>
+        <p:style>
+          <a:lnRef idx="1">
+            <a:schemeClr val="accent1"/>
+          </a:lnRef>
+          <a:fillRef idx="0">
+            <a:schemeClr val="accent1"/>
+          </a:fillRef>
+          <a:effectRef idx="0">
+            <a:schemeClr val="accent1"/>
+          </a:effectRef>
+          <a:fontRef idx="minor">
+            <a:schemeClr val="tx1"/>
+          </a:fontRef>
+        </p:style>
+      </p:cxnSp>
+      <p:cxnSp>
+        <p:nvCxnSpPr>
+          <p:cNvPr id="21" name="直線接點 20">
+            <a:extLst>
+              <a:ext uri="{FF2B5EF4-FFF2-40B4-BE49-F238E27FC236}">
+                <a16:creationId xmlns:a16="http://schemas.microsoft.com/office/drawing/2014/main" id="{AFB18364-F723-C142-C18A-D0E1543006C3}"/>
+              </a:ext>
+            </a:extLst>
+          </p:cNvPr>
+          <p:cNvCxnSpPr>
+            <a:stCxn id="8" idx="0"/>
+            <a:endCxn id="11" idx="3"/>
+          </p:cNvCxnSpPr>
+          <p:nvPr/>
+        </p:nvCxnSpPr>
+        <p:spPr>
+          <a:xfrm>
+            <a:off x="3966518" y="5033001"/>
+            <a:ext cx="1882347" cy="0"/>
+          </a:xfrm>
+          <a:prstGeom prst="line">
+            <a:avLst/>
+          </a:prstGeom>
+          <a:ln w="38100">
+            <a:solidFill>
+              <a:srgbClr val="00B0F0"/>
+            </a:solidFill>
+          </a:ln>
+        </p:spPr>
+        <p:style>
+          <a:lnRef idx="1">
+            <a:schemeClr val="accent1"/>
+          </a:lnRef>
+          <a:fillRef idx="0">
+            <a:schemeClr val="accent1"/>
+          </a:fillRef>
+          <a:effectRef idx="0">
+            <a:schemeClr val="accent1"/>
+          </a:effectRef>
+          <a:fontRef idx="minor">
+            <a:schemeClr val="tx1"/>
+          </a:fontRef>
+        </p:style>
+      </p:cxnSp>
+      <p:cxnSp>
+        <p:nvCxnSpPr>
+          <p:cNvPr id="23" name="直線接點 22">
+            <a:extLst>
+              <a:ext uri="{FF2B5EF4-FFF2-40B4-BE49-F238E27FC236}">
+                <a16:creationId xmlns:a16="http://schemas.microsoft.com/office/drawing/2014/main" id="{FF3F34E1-AFDF-3BA3-6493-43D54FB52E81}"/>
+              </a:ext>
+            </a:extLst>
+          </p:cNvPr>
+          <p:cNvCxnSpPr>
+            <a:stCxn id="11" idx="0"/>
+            <a:endCxn id="13" idx="3"/>
+          </p:cNvCxnSpPr>
+          <p:nvPr/>
+        </p:nvCxnSpPr>
+        <p:spPr>
+          <a:xfrm flipV="1">
+            <a:off x="6343135" y="3336006"/>
+            <a:ext cx="1882347" cy="1696995"/>
+          </a:xfrm>
+          <a:prstGeom prst="line">
+            <a:avLst/>
+          </a:prstGeom>
+          <a:ln w="38100">
+            <a:solidFill>
+              <a:srgbClr val="00B0F0"/>
+            </a:solidFill>
+          </a:ln>
+        </p:spPr>
+        <p:style>
+          <a:lnRef idx="1">
+            <a:schemeClr val="accent1"/>
+          </a:lnRef>
+          <a:fillRef idx="0">
+            <a:schemeClr val="accent1"/>
+          </a:fillRef>
+          <a:effectRef idx="0">
+            <a:schemeClr val="accent1"/>
+          </a:effectRef>
+          <a:fontRef idx="minor">
+            <a:schemeClr val="tx1"/>
+          </a:fontRef>
+        </p:style>
+      </p:cxnSp>
+      <p:sp>
+        <p:nvSpPr>
+          <p:cNvPr id="25" name="文字方塊 24">
+            <a:extLst>
+              <a:ext uri="{FF2B5EF4-FFF2-40B4-BE49-F238E27FC236}">
+                <a16:creationId xmlns:a16="http://schemas.microsoft.com/office/drawing/2014/main" id="{B9BC1D0C-4434-EBDA-3520-894058E25AC2}"/>
+              </a:ext>
+            </a:extLst>
+          </p:cNvPr>
+          <p:cNvSpPr txBox="1"/>
+          <p:nvPr/>
+        </p:nvSpPr>
+        <p:spPr>
+          <a:xfrm>
+            <a:off x="3317557" y="874287"/>
+            <a:ext cx="772969" cy="461665"/>
+          </a:xfrm>
+          <a:prstGeom prst="rect">
+            <a:avLst/>
+          </a:prstGeom>
+          <a:noFill/>
+        </p:spPr>
+        <p:txBody>
+          <a:bodyPr wrap="none" rtlCol="0">
+            <a:spAutoFit/>
+          </a:bodyPr>
+          <a:lstStyle/>
+          <a:p>
+            <a:pPr algn="ctr"/>
+            <a:r>
+              <a:rPr lang="en-US" altLang="zh-TW" sz="2400" b="1" dirty="0">
+                <a:solidFill>
+                  <a:srgbClr val="C00000"/>
+                </a:solidFill>
+              </a:rPr>
+              <a:t>s1_1</a:t>
+            </a:r>
+            <a:endParaRPr lang="zh-TW" altLang="en-US" sz="2400" b="1" dirty="0">
+              <a:solidFill>
+                <a:srgbClr val="C00000"/>
+              </a:solidFill>
+            </a:endParaRPr>
+          </a:p>
+        </p:txBody>
+      </p:sp>
+      <p:sp>
+        <p:nvSpPr>
+          <p:cNvPr id="26" name="文字方塊 25">
+            <a:extLst>
+              <a:ext uri="{FF2B5EF4-FFF2-40B4-BE49-F238E27FC236}">
+                <a16:creationId xmlns:a16="http://schemas.microsoft.com/office/drawing/2014/main" id="{EF1F8005-CF58-16F8-9740-7F0FDB0D4E2E}"/>
+              </a:ext>
+            </a:extLst>
+          </p:cNvPr>
+          <p:cNvSpPr txBox="1"/>
+          <p:nvPr/>
+        </p:nvSpPr>
+        <p:spPr>
+          <a:xfrm>
+            <a:off x="5705396" y="874287"/>
+            <a:ext cx="772969" cy="461665"/>
+          </a:xfrm>
+          <a:prstGeom prst="rect">
+            <a:avLst/>
+          </a:prstGeom>
+          <a:noFill/>
+        </p:spPr>
+        <p:txBody>
+          <a:bodyPr wrap="none" rtlCol="0">
+            <a:spAutoFit/>
+          </a:bodyPr>
+          <a:lstStyle/>
+          <a:p>
+            <a:pPr algn="ctr"/>
+            <a:r>
+              <a:rPr lang="en-US" altLang="zh-TW" sz="2400" b="1" dirty="0">
+                <a:solidFill>
+                  <a:schemeClr val="accent6"/>
+                </a:solidFill>
+              </a:rPr>
+              <a:t>s1_2</a:t>
+            </a:r>
+            <a:endParaRPr lang="zh-TW" altLang="en-US" sz="2400" b="1" dirty="0">
+              <a:solidFill>
+                <a:schemeClr val="accent6"/>
+              </a:solidFill>
+            </a:endParaRPr>
+          </a:p>
+        </p:txBody>
+      </p:sp>
+      <p:sp>
+        <p:nvSpPr>
+          <p:cNvPr id="28" name="文字方塊 27">
+            <a:extLst>
+              <a:ext uri="{FF2B5EF4-FFF2-40B4-BE49-F238E27FC236}">
+                <a16:creationId xmlns:a16="http://schemas.microsoft.com/office/drawing/2014/main" id="{09EBF6A2-06E3-E4D1-66A0-319B6EDA95F6}"/>
+              </a:ext>
+            </a:extLst>
+          </p:cNvPr>
+          <p:cNvSpPr txBox="1"/>
+          <p:nvPr/>
+        </p:nvSpPr>
+        <p:spPr>
+          <a:xfrm>
+            <a:off x="8228912" y="2664276"/>
+            <a:ext cx="495650" cy="461665"/>
+          </a:xfrm>
+          <a:prstGeom prst="rect">
+            <a:avLst/>
+          </a:prstGeom>
+          <a:noFill/>
+        </p:spPr>
+        <p:txBody>
+          <a:bodyPr wrap="none" rtlCol="0">
+            <a:spAutoFit/>
+          </a:bodyPr>
+          <a:lstStyle/>
+          <a:p>
+            <a:pPr algn="ctr"/>
+            <a:r>
+              <a:rPr lang="en-US" altLang="zh-TW" sz="2400" b="1" dirty="0">
+                <a:solidFill>
+                  <a:schemeClr val="accent2"/>
+                </a:solidFill>
+              </a:rPr>
+              <a:t>e1</a:t>
+            </a:r>
+            <a:endParaRPr lang="zh-TW" altLang="en-US" sz="2400" b="1" dirty="0">
+              <a:solidFill>
+                <a:schemeClr val="accent2"/>
+              </a:solidFill>
+            </a:endParaRPr>
+          </a:p>
+        </p:txBody>
+      </p:sp>
+      <p:sp>
+        <p:nvSpPr>
+          <p:cNvPr id="29" name="文字方塊 28">
+            <a:extLst>
+              <a:ext uri="{FF2B5EF4-FFF2-40B4-BE49-F238E27FC236}">
+                <a16:creationId xmlns:a16="http://schemas.microsoft.com/office/drawing/2014/main" id="{B2FA2F92-A25E-22EB-8A08-F7DC40A986EC}"/>
+              </a:ext>
+            </a:extLst>
+          </p:cNvPr>
+          <p:cNvSpPr txBox="1"/>
+          <p:nvPr/>
+        </p:nvSpPr>
+        <p:spPr>
+          <a:xfrm>
+            <a:off x="3312802" y="2697083"/>
+            <a:ext cx="772969" cy="461665"/>
+          </a:xfrm>
+          <a:prstGeom prst="rect">
+            <a:avLst/>
+          </a:prstGeom>
+          <a:noFill/>
+        </p:spPr>
+        <p:txBody>
+          <a:bodyPr wrap="none" rtlCol="0">
+            <a:spAutoFit/>
+          </a:bodyPr>
+          <a:lstStyle/>
+          <a:p>
+            <a:pPr algn="ctr"/>
+            <a:r>
+              <a:rPr lang="en-US" altLang="zh-TW" sz="2400" b="1" dirty="0">
+                <a:solidFill>
+                  <a:srgbClr val="C00000"/>
+                </a:solidFill>
+              </a:rPr>
+              <a:t>s2_1</a:t>
+            </a:r>
+            <a:endParaRPr lang="zh-TW" altLang="en-US" sz="2400" b="1" dirty="0">
+              <a:solidFill>
+                <a:srgbClr val="C00000"/>
+              </a:solidFill>
+            </a:endParaRPr>
+          </a:p>
+        </p:txBody>
+      </p:sp>
+      <p:sp>
+        <p:nvSpPr>
+          <p:cNvPr id="30" name="文字方塊 29">
+            <a:extLst>
+              <a:ext uri="{FF2B5EF4-FFF2-40B4-BE49-F238E27FC236}">
+                <a16:creationId xmlns:a16="http://schemas.microsoft.com/office/drawing/2014/main" id="{1225CDCE-F954-3ABF-29DA-675C2F064883}"/>
+              </a:ext>
+            </a:extLst>
+          </p:cNvPr>
+          <p:cNvSpPr txBox="1"/>
+          <p:nvPr/>
+        </p:nvSpPr>
+        <p:spPr>
+          <a:xfrm>
+            <a:off x="5707659" y="2697079"/>
+            <a:ext cx="772969" cy="461665"/>
+          </a:xfrm>
+          <a:prstGeom prst="rect">
+            <a:avLst/>
+          </a:prstGeom>
+          <a:noFill/>
+        </p:spPr>
+        <p:txBody>
+          <a:bodyPr wrap="none" rtlCol="0">
+            <a:spAutoFit/>
+          </a:bodyPr>
+          <a:lstStyle/>
+          <a:p>
+            <a:pPr algn="ctr"/>
+            <a:r>
+              <a:rPr lang="en-US" altLang="zh-TW" sz="2400" b="1" dirty="0">
+                <a:solidFill>
+                  <a:schemeClr val="accent6"/>
+                </a:solidFill>
+              </a:rPr>
+              <a:t>s2_2</a:t>
+            </a:r>
+            <a:endParaRPr lang="zh-TW" altLang="en-US" sz="2400" b="1" dirty="0">
+              <a:solidFill>
+                <a:schemeClr val="accent6"/>
+              </a:solidFill>
+            </a:endParaRPr>
+          </a:p>
+        </p:txBody>
+      </p:sp>
+      <p:sp>
+        <p:nvSpPr>
+          <p:cNvPr id="31" name="文字方塊 30">
+            <a:extLst>
+              <a:ext uri="{FF2B5EF4-FFF2-40B4-BE49-F238E27FC236}">
+                <a16:creationId xmlns:a16="http://schemas.microsoft.com/office/drawing/2014/main" id="{4B994E4E-BB8D-4BF9-FD32-2A0C8A00CC41}"/>
+              </a:ext>
+            </a:extLst>
+          </p:cNvPr>
+          <p:cNvSpPr txBox="1"/>
+          <p:nvPr/>
+        </p:nvSpPr>
+        <p:spPr>
+          <a:xfrm>
+            <a:off x="3306034" y="4361271"/>
+            <a:ext cx="772969" cy="461665"/>
+          </a:xfrm>
+          <a:prstGeom prst="rect">
+            <a:avLst/>
+          </a:prstGeom>
+          <a:noFill/>
+        </p:spPr>
+        <p:txBody>
+          <a:bodyPr wrap="none" rtlCol="0">
+            <a:spAutoFit/>
+          </a:bodyPr>
+          <a:lstStyle/>
+          <a:p>
+            <a:pPr algn="ctr"/>
+            <a:r>
+              <a:rPr lang="en-US" altLang="zh-TW" sz="2400" b="1" dirty="0">
+                <a:solidFill>
+                  <a:srgbClr val="C00000"/>
+                </a:solidFill>
+              </a:rPr>
+              <a:t>s3_1</a:t>
+            </a:r>
+            <a:endParaRPr lang="zh-TW" altLang="en-US" sz="2400" b="1" dirty="0">
+              <a:solidFill>
+                <a:srgbClr val="C00000"/>
+              </a:solidFill>
+            </a:endParaRPr>
+          </a:p>
+        </p:txBody>
+      </p:sp>
+      <p:sp>
+        <p:nvSpPr>
+          <p:cNvPr id="32" name="文字方塊 31">
+            <a:extLst>
+              <a:ext uri="{FF2B5EF4-FFF2-40B4-BE49-F238E27FC236}">
+                <a16:creationId xmlns:a16="http://schemas.microsoft.com/office/drawing/2014/main" id="{6872F9BD-0AD7-1AA4-D465-A8C8B0CDC009}"/>
+              </a:ext>
+            </a:extLst>
+          </p:cNvPr>
+          <p:cNvSpPr txBox="1"/>
+          <p:nvPr/>
+        </p:nvSpPr>
+        <p:spPr>
+          <a:xfrm>
             <a:off x="5674412" y="4382039"/>
             <a:ext cx="772969" cy="461665"/>
           </a:xfrm>
@@ -6566,6 +8710,96 @@
           <a:p>
             <a:pPr algn="ctr"/>
             <a:endParaRPr lang="zh-TW" altLang="en-US"/>
+          </a:p>
+        </p:txBody>
+      </p:sp>
+      <p:sp>
+        <p:nvSpPr>
+          <p:cNvPr id="27" name="文字方塊 26">
+            <a:extLst>
+              <a:ext uri="{FF2B5EF4-FFF2-40B4-BE49-F238E27FC236}">
+                <a16:creationId xmlns:a16="http://schemas.microsoft.com/office/drawing/2014/main" id="{971125C6-02E9-87E6-11E1-C41039455A8F}"/>
+              </a:ext>
+            </a:extLst>
+          </p:cNvPr>
+          <p:cNvSpPr txBox="1"/>
+          <p:nvPr/>
+        </p:nvSpPr>
+        <p:spPr>
+          <a:xfrm>
+            <a:off x="3032638" y="5751655"/>
+            <a:ext cx="1401602" cy="369332"/>
+          </a:xfrm>
+          <a:prstGeom prst="rect">
+            <a:avLst/>
+          </a:prstGeom>
+          <a:noFill/>
+        </p:spPr>
+        <p:txBody>
+          <a:bodyPr wrap="none" rtlCol="0">
+            <a:spAutoFit/>
+          </a:bodyPr>
+          <a:lstStyle/>
+          <a:p>
+            <a:pPr algn="ctr"/>
+            <a:r>
+              <a:rPr lang="en-US" altLang="zh-TW" b="1" dirty="0">
+                <a:solidFill>
+                  <a:srgbClr val="C00000"/>
+                </a:solidFill>
+              </a:rPr>
+              <a:t>Layer4 Proxy</a:t>
+            </a:r>
+            <a:endParaRPr lang="zh-TW" altLang="en-US" b="1" dirty="0">
+              <a:solidFill>
+                <a:srgbClr val="C00000"/>
+              </a:solidFill>
+            </a:endParaRPr>
+          </a:p>
+        </p:txBody>
+      </p:sp>
+      <p:sp>
+        <p:nvSpPr>
+          <p:cNvPr id="33" name="文字方塊 32">
+            <a:extLst>
+              <a:ext uri="{FF2B5EF4-FFF2-40B4-BE49-F238E27FC236}">
+                <a16:creationId xmlns:a16="http://schemas.microsoft.com/office/drawing/2014/main" id="{71725498-A6C0-EAB1-1247-7A5C35AC0D09}"/>
+              </a:ext>
+            </a:extLst>
+          </p:cNvPr>
+          <p:cNvSpPr txBox="1"/>
+          <p:nvPr/>
+        </p:nvSpPr>
+        <p:spPr>
+          <a:xfrm>
+            <a:off x="8018951" y="3838056"/>
+            <a:ext cx="1401602" cy="369332"/>
+          </a:xfrm>
+          <a:prstGeom prst="rect">
+            <a:avLst/>
+          </a:prstGeom>
+          <a:noFill/>
+        </p:spPr>
+        <p:txBody>
+          <a:bodyPr wrap="none" rtlCol="0">
+            <a:spAutoFit/>
+          </a:bodyPr>
+          <a:lstStyle/>
+          <a:p>
+            <a:pPr algn="ctr"/>
+            <a:r>
+              <a:rPr lang="en-US" altLang="zh-TW" b="1" dirty="0">
+                <a:solidFill>
+                  <a:schemeClr val="accent2"/>
+                </a:solidFill>
+              </a:rPr>
+              <a:t>Layer4 Proxy</a:t>
+            </a:r>
+            <a:endParaRPr lang="zh-TW" altLang="en-US" b="1" dirty="0">
+              <a:solidFill>
+                <a:schemeClr val="accent2"/>
+              </a:solidFill>
+            </a:endParaRPr>
           </a:p>
         </p:txBody>
       </p:sp>
